--- a/001_JavaScript/006_lesson/Presentation/Document_page_objects.pptx
+++ b/001_JavaScript/006_lesson/Presentation/Document_page_objects.pptx
@@ -4,6 +4,9 @@
   <p:sldMasterIdLst>
     <p:sldMasterId id="2147483662" r:id="rId1"/>
   </p:sldMasterIdLst>
+  <p:notesMasterIdLst>
+    <p:notesMasterId r:id="rId9"/>
+  </p:notesMasterIdLst>
   <p:sldIdLst>
     <p:sldId id="257" r:id="rId2"/>
     <p:sldId id="258" r:id="rId3"/>
@@ -111,6 +114,434 @@
     </a:lvl9pPr>
   </p:defaultTextStyle>
 </p:presentation>
+</file>
+
+<file path=ppt/notesMasters/notesMaster1.xml><?xml version="1.0" encoding="utf-8"?>
+<p:notesMaster xmlns:a="http://schemas.openxmlformats.org/drawingml/2006/main" xmlns:r="http://schemas.openxmlformats.org/officeDocument/2006/relationships" xmlns:p="http://schemas.openxmlformats.org/presentationml/2006/main">
+  <p:cSld>
+    <p:bg>
+      <p:bgRef idx="1001">
+        <a:schemeClr val="bg1"/>
+      </p:bgRef>
+    </p:bg>
+    <p:spTree>
+      <p:nvGrpSpPr>
+        <p:cNvPr id="1" name=""/>
+        <p:cNvGrpSpPr/>
+        <p:nvPr/>
+      </p:nvGrpSpPr>
+      <p:grpSpPr>
+        <a:xfrm>
+          <a:off x="0" y="0"/>
+          <a:ext cx="0" cy="0"/>
+          <a:chOff x="0" y="0"/>
+          <a:chExt cx="0" cy="0"/>
+        </a:xfrm>
+      </p:grpSpPr>
+      <p:sp>
+        <p:nvSpPr>
+          <p:cNvPr id="2" name="Верхний колонтитул 1"/>
+          <p:cNvSpPr>
+            <a:spLocks noGrp="1"/>
+          </p:cNvSpPr>
+          <p:nvPr>
+            <p:ph type="hdr" sz="quarter"/>
+          </p:nvPr>
+        </p:nvSpPr>
+        <p:spPr>
+          <a:xfrm>
+            <a:off x="0" y="0"/>
+            <a:ext cx="2971800" cy="457200"/>
+          </a:xfrm>
+          <a:prstGeom prst="rect">
+            <a:avLst/>
+          </a:prstGeom>
+        </p:spPr>
+        <p:txBody>
+          <a:bodyPr vert="horz" lIns="91440" tIns="45720" rIns="91440" bIns="45720" rtlCol="0"/>
+          <a:lstStyle>
+            <a:lvl1pPr algn="l">
+              <a:defRPr sz="1200"/>
+            </a:lvl1pPr>
+          </a:lstStyle>
+          <a:p>
+            <a:endParaRPr lang="uk-UA"/>
+          </a:p>
+        </p:txBody>
+      </p:sp>
+      <p:sp>
+        <p:nvSpPr>
+          <p:cNvPr id="3" name="Дата 2"/>
+          <p:cNvSpPr>
+            <a:spLocks noGrp="1"/>
+          </p:cNvSpPr>
+          <p:nvPr>
+            <p:ph type="dt" idx="1"/>
+          </p:nvPr>
+        </p:nvSpPr>
+        <p:spPr>
+          <a:xfrm>
+            <a:off x="3884613" y="0"/>
+            <a:ext cx="2971800" cy="457200"/>
+          </a:xfrm>
+          <a:prstGeom prst="rect">
+            <a:avLst/>
+          </a:prstGeom>
+        </p:spPr>
+        <p:txBody>
+          <a:bodyPr vert="horz" lIns="91440" tIns="45720" rIns="91440" bIns="45720" rtlCol="0"/>
+          <a:lstStyle>
+            <a:lvl1pPr algn="r">
+              <a:defRPr sz="1200"/>
+            </a:lvl1pPr>
+          </a:lstStyle>
+          <a:p>
+            <a:fld id="{380C5547-1980-43FF-884E-BA5FBA6E078A}" type="datetimeFigureOut">
+              <a:rPr lang="uk-UA" smtClean="0"/>
+              <a:t>28.07.2016</a:t>
+            </a:fld>
+            <a:endParaRPr lang="uk-UA"/>
+          </a:p>
+        </p:txBody>
+      </p:sp>
+      <p:sp>
+        <p:nvSpPr>
+          <p:cNvPr id="4" name="Образ слайда 3"/>
+          <p:cNvSpPr>
+            <a:spLocks noGrp="1" noRot="1" noChangeAspect="1"/>
+          </p:cNvSpPr>
+          <p:nvPr>
+            <p:ph type="sldImg" idx="2"/>
+          </p:nvPr>
+        </p:nvSpPr>
+        <p:spPr>
+          <a:xfrm>
+            <a:off x="1143000" y="685800"/>
+            <a:ext cx="4572000" cy="3429000"/>
+          </a:xfrm>
+          <a:prstGeom prst="rect">
+            <a:avLst/>
+          </a:prstGeom>
+          <a:noFill/>
+          <a:ln w="12700">
+            <a:solidFill>
+              <a:prstClr val="black"/>
+            </a:solidFill>
+          </a:ln>
+        </p:spPr>
+        <p:txBody>
+          <a:bodyPr vert="horz" lIns="91440" tIns="45720" rIns="91440" bIns="45720" rtlCol="0" anchor="ctr"/>
+          <a:lstStyle/>
+          <a:p>
+            <a:endParaRPr lang="uk-UA"/>
+          </a:p>
+        </p:txBody>
+      </p:sp>
+      <p:sp>
+        <p:nvSpPr>
+          <p:cNvPr id="5" name="Заметки 4"/>
+          <p:cNvSpPr>
+            <a:spLocks noGrp="1"/>
+          </p:cNvSpPr>
+          <p:nvPr>
+            <p:ph type="body" sz="quarter" idx="3"/>
+          </p:nvPr>
+        </p:nvSpPr>
+        <p:spPr>
+          <a:xfrm>
+            <a:off x="685800" y="4343400"/>
+            <a:ext cx="5486400" cy="4114800"/>
+          </a:xfrm>
+          <a:prstGeom prst="rect">
+            <a:avLst/>
+          </a:prstGeom>
+        </p:spPr>
+        <p:txBody>
+          <a:bodyPr vert="horz" lIns="91440" tIns="45720" rIns="91440" bIns="45720" rtlCol="0">
+            <a:normAutofit/>
+          </a:bodyPr>
+          <a:lstStyle/>
+          <a:p>
+            <a:pPr lvl="0"/>
+            <a:r>
+              <a:rPr lang="ru-RU" smtClean="0"/>
+              <a:t>Образец текста</a:t>
+            </a:r>
+          </a:p>
+          <a:p>
+            <a:pPr lvl="1"/>
+            <a:r>
+              <a:rPr lang="ru-RU" smtClean="0"/>
+              <a:t>Второй уровень</a:t>
+            </a:r>
+          </a:p>
+          <a:p>
+            <a:pPr lvl="2"/>
+            <a:r>
+              <a:rPr lang="ru-RU" smtClean="0"/>
+              <a:t>Третий уровень</a:t>
+            </a:r>
+          </a:p>
+          <a:p>
+            <a:pPr lvl="3"/>
+            <a:r>
+              <a:rPr lang="ru-RU" smtClean="0"/>
+              <a:t>Четвертый уровень</a:t>
+            </a:r>
+          </a:p>
+          <a:p>
+            <a:pPr lvl="4"/>
+            <a:r>
+              <a:rPr lang="ru-RU" smtClean="0"/>
+              <a:t>Пятый уровень</a:t>
+            </a:r>
+            <a:endParaRPr lang="uk-UA"/>
+          </a:p>
+        </p:txBody>
+      </p:sp>
+      <p:sp>
+        <p:nvSpPr>
+          <p:cNvPr id="6" name="Нижний колонтитул 5"/>
+          <p:cNvSpPr>
+            <a:spLocks noGrp="1"/>
+          </p:cNvSpPr>
+          <p:nvPr>
+            <p:ph type="ftr" sz="quarter" idx="4"/>
+          </p:nvPr>
+        </p:nvSpPr>
+        <p:spPr>
+          <a:xfrm>
+            <a:off x="0" y="8685213"/>
+            <a:ext cx="2971800" cy="457200"/>
+          </a:xfrm>
+          <a:prstGeom prst="rect">
+            <a:avLst/>
+          </a:prstGeom>
+        </p:spPr>
+        <p:txBody>
+          <a:bodyPr vert="horz" lIns="91440" tIns="45720" rIns="91440" bIns="45720" rtlCol="0" anchor="b"/>
+          <a:lstStyle>
+            <a:lvl1pPr algn="l">
+              <a:defRPr sz="1200"/>
+            </a:lvl1pPr>
+          </a:lstStyle>
+          <a:p>
+            <a:endParaRPr lang="uk-UA"/>
+          </a:p>
+        </p:txBody>
+      </p:sp>
+      <p:sp>
+        <p:nvSpPr>
+          <p:cNvPr id="7" name="Номер слайда 6"/>
+          <p:cNvSpPr>
+            <a:spLocks noGrp="1"/>
+          </p:cNvSpPr>
+          <p:nvPr>
+            <p:ph type="sldNum" sz="quarter" idx="5"/>
+          </p:nvPr>
+        </p:nvSpPr>
+        <p:spPr>
+          <a:xfrm>
+            <a:off x="3884613" y="8685213"/>
+            <a:ext cx="2971800" cy="457200"/>
+          </a:xfrm>
+          <a:prstGeom prst="rect">
+            <a:avLst/>
+          </a:prstGeom>
+        </p:spPr>
+        <p:txBody>
+          <a:bodyPr vert="horz" lIns="91440" tIns="45720" rIns="91440" bIns="45720" rtlCol="0" anchor="b"/>
+          <a:lstStyle>
+            <a:lvl1pPr algn="r">
+              <a:defRPr sz="1200"/>
+            </a:lvl1pPr>
+          </a:lstStyle>
+          <a:p>
+            <a:fld id="{6E1EC7D5-32B4-4BA2-80D7-AAB900C501AF}" type="slidenum">
+              <a:rPr lang="uk-UA" smtClean="0"/>
+              <a:t>‹#›</a:t>
+            </a:fld>
+            <a:endParaRPr lang="uk-UA"/>
+          </a:p>
+        </p:txBody>
+      </p:sp>
+    </p:spTree>
+  </p:cSld>
+  <p:clrMap bg1="lt1" tx1="dk1" bg2="lt2" tx2="dk2" accent1="accent1" accent2="accent2" accent3="accent3" accent4="accent4" accent5="accent5" accent6="accent6" hlink="hlink" folHlink="folHlink"/>
+  <p:notesStyle>
+    <a:lvl1pPr marL="0" algn="l" defTabSz="914400" rtl="0" eaLnBrk="1" latinLnBrk="0" hangingPunct="1">
+      <a:defRPr sz="1200" kern="1200">
+        <a:solidFill>
+          <a:schemeClr val="tx1"/>
+        </a:solidFill>
+        <a:latin typeface="+mn-lt"/>
+        <a:ea typeface="+mn-ea"/>
+        <a:cs typeface="+mn-cs"/>
+      </a:defRPr>
+    </a:lvl1pPr>
+    <a:lvl2pPr marL="457200" algn="l" defTabSz="914400" rtl="0" eaLnBrk="1" latinLnBrk="0" hangingPunct="1">
+      <a:defRPr sz="1200" kern="1200">
+        <a:solidFill>
+          <a:schemeClr val="tx1"/>
+        </a:solidFill>
+        <a:latin typeface="+mn-lt"/>
+        <a:ea typeface="+mn-ea"/>
+        <a:cs typeface="+mn-cs"/>
+      </a:defRPr>
+    </a:lvl2pPr>
+    <a:lvl3pPr marL="914400" algn="l" defTabSz="914400" rtl="0" eaLnBrk="1" latinLnBrk="0" hangingPunct="1">
+      <a:defRPr sz="1200" kern="1200">
+        <a:solidFill>
+          <a:schemeClr val="tx1"/>
+        </a:solidFill>
+        <a:latin typeface="+mn-lt"/>
+        <a:ea typeface="+mn-ea"/>
+        <a:cs typeface="+mn-cs"/>
+      </a:defRPr>
+    </a:lvl3pPr>
+    <a:lvl4pPr marL="1371600" algn="l" defTabSz="914400" rtl="0" eaLnBrk="1" latinLnBrk="0" hangingPunct="1">
+      <a:defRPr sz="1200" kern="1200">
+        <a:solidFill>
+          <a:schemeClr val="tx1"/>
+        </a:solidFill>
+        <a:latin typeface="+mn-lt"/>
+        <a:ea typeface="+mn-ea"/>
+        <a:cs typeface="+mn-cs"/>
+      </a:defRPr>
+    </a:lvl4pPr>
+    <a:lvl5pPr marL="1828800" algn="l" defTabSz="914400" rtl="0" eaLnBrk="1" latinLnBrk="0" hangingPunct="1">
+      <a:defRPr sz="1200" kern="1200">
+        <a:solidFill>
+          <a:schemeClr val="tx1"/>
+        </a:solidFill>
+        <a:latin typeface="+mn-lt"/>
+        <a:ea typeface="+mn-ea"/>
+        <a:cs typeface="+mn-cs"/>
+      </a:defRPr>
+    </a:lvl5pPr>
+    <a:lvl6pPr marL="2286000" algn="l" defTabSz="914400" rtl="0" eaLnBrk="1" latinLnBrk="0" hangingPunct="1">
+      <a:defRPr sz="1200" kern="1200">
+        <a:solidFill>
+          <a:schemeClr val="tx1"/>
+        </a:solidFill>
+        <a:latin typeface="+mn-lt"/>
+        <a:ea typeface="+mn-ea"/>
+        <a:cs typeface="+mn-cs"/>
+      </a:defRPr>
+    </a:lvl6pPr>
+    <a:lvl7pPr marL="2743200" algn="l" defTabSz="914400" rtl="0" eaLnBrk="1" latinLnBrk="0" hangingPunct="1">
+      <a:defRPr sz="1200" kern="1200">
+        <a:solidFill>
+          <a:schemeClr val="tx1"/>
+        </a:solidFill>
+        <a:latin typeface="+mn-lt"/>
+        <a:ea typeface="+mn-ea"/>
+        <a:cs typeface="+mn-cs"/>
+      </a:defRPr>
+    </a:lvl7pPr>
+    <a:lvl8pPr marL="3200400" algn="l" defTabSz="914400" rtl="0" eaLnBrk="1" latinLnBrk="0" hangingPunct="1">
+      <a:defRPr sz="1200" kern="1200">
+        <a:solidFill>
+          <a:schemeClr val="tx1"/>
+        </a:solidFill>
+        <a:latin typeface="+mn-lt"/>
+        <a:ea typeface="+mn-ea"/>
+        <a:cs typeface="+mn-cs"/>
+      </a:defRPr>
+    </a:lvl8pPr>
+    <a:lvl9pPr marL="3657600" algn="l" defTabSz="914400" rtl="0" eaLnBrk="1" latinLnBrk="0" hangingPunct="1">
+      <a:defRPr sz="1200" kern="1200">
+        <a:solidFill>
+          <a:schemeClr val="tx1"/>
+        </a:solidFill>
+        <a:latin typeface="+mn-lt"/>
+        <a:ea typeface="+mn-ea"/>
+        <a:cs typeface="+mn-cs"/>
+      </a:defRPr>
+    </a:lvl9pPr>
+  </p:notesStyle>
+</p:notesMaster>
+</file>
+
+<file path=ppt/notesSlides/notesSlide1.xml><?xml version="1.0" encoding="utf-8"?>
+<p:notes xmlns:a="http://schemas.openxmlformats.org/drawingml/2006/main" xmlns:r="http://schemas.openxmlformats.org/officeDocument/2006/relationships" xmlns:p="http://schemas.openxmlformats.org/presentationml/2006/main">
+  <p:cSld>
+    <p:spTree>
+      <p:nvGrpSpPr>
+        <p:cNvPr id="1" name=""/>
+        <p:cNvGrpSpPr/>
+        <p:nvPr/>
+      </p:nvGrpSpPr>
+      <p:grpSpPr>
+        <a:xfrm>
+          <a:off x="0" y="0"/>
+          <a:ext cx="0" cy="0"/>
+          <a:chOff x="0" y="0"/>
+          <a:chExt cx="0" cy="0"/>
+        </a:xfrm>
+      </p:grpSpPr>
+      <p:sp>
+        <p:nvSpPr>
+          <p:cNvPr id="2" name="Образ слайда 1"/>
+          <p:cNvSpPr>
+            <a:spLocks noGrp="1" noRot="1" noChangeAspect="1"/>
+          </p:cNvSpPr>
+          <p:nvPr>
+            <p:ph type="sldImg"/>
+          </p:nvPr>
+        </p:nvSpPr>
+        <p:spPr/>
+      </p:sp>
+      <p:sp>
+        <p:nvSpPr>
+          <p:cNvPr id="3" name="Заметки 2"/>
+          <p:cNvSpPr>
+            <a:spLocks noGrp="1"/>
+          </p:cNvSpPr>
+          <p:nvPr>
+            <p:ph type="body" idx="1"/>
+          </p:nvPr>
+        </p:nvSpPr>
+        <p:spPr/>
+        <p:txBody>
+          <a:bodyPr>
+            <a:normAutofit/>
+          </a:bodyPr>
+          <a:lstStyle/>
+          <a:p>
+            <a:endParaRPr lang="uk-UA" dirty="0"/>
+          </a:p>
+        </p:txBody>
+      </p:sp>
+      <p:sp>
+        <p:nvSpPr>
+          <p:cNvPr id="4" name="Номер слайда 3"/>
+          <p:cNvSpPr>
+            <a:spLocks noGrp="1"/>
+          </p:cNvSpPr>
+          <p:nvPr>
+            <p:ph type="sldNum" sz="quarter" idx="10"/>
+          </p:nvPr>
+        </p:nvSpPr>
+        <p:spPr/>
+        <p:txBody>
+          <a:bodyPr/>
+          <a:lstStyle/>
+          <a:p>
+            <a:fld id="{6E1EC7D5-32B4-4BA2-80D7-AAB900C501AF}" type="slidenum">
+              <a:rPr lang="uk-UA" smtClean="0"/>
+              <a:t>6</a:t>
+            </a:fld>
+            <a:endParaRPr lang="uk-UA"/>
+          </a:p>
+        </p:txBody>
+      </p:sp>
+    </p:spTree>
+  </p:cSld>
+  <p:clrMapOvr>
+    <a:masterClrMapping/>
+  </p:clrMapOvr>
+</p:notes>
 </file>
 
 <file path=ppt/slideLayouts/slideLayout1.xml><?xml version="1.0" encoding="utf-8"?>
@@ -620,7 +1051,7 @@
     </p:spTree>
     <p:extLst>
       <p:ext uri="{BB962C8B-B14F-4D97-AF65-F5344CB8AC3E}">
-        <p14:creationId xmlns="" xmlns:p14="http://schemas.microsoft.com/office/powerpoint/2010/main" val="3537187278"/>
+        <p14:creationId xmlns:p14="http://schemas.microsoft.com/office/powerpoint/2010/main" xmlns="" val="3537187278"/>
       </p:ext>
     </p:extLst>
   </p:cSld>
@@ -666,7 +1097,7 @@
           <a:blip r:embed="rId2" cstate="print">
             <a:extLst>
               <a:ext uri="{28A0092B-C50C-407E-A947-70E740481C1C}">
-                <a14:useLocalDpi xmlns="" xmlns:a14="http://schemas.microsoft.com/office/drawing/2010/main" val="0"/>
+                <a14:useLocalDpi xmlns:a14="http://schemas.microsoft.com/office/drawing/2010/main" xmlns="" val="0"/>
               </a:ext>
             </a:extLst>
           </a:blip>
@@ -690,14 +1121,14 @@
           <a:effectLst/>
           <a:extLst>
             <a:ext uri="{909E8E84-426E-40DD-AFC4-6F175D3DCCD1}">
-              <a14:hiddenFill xmlns="" xmlns:a14="http://schemas.microsoft.com/office/drawing/2010/main">
+              <a14:hiddenFill xmlns:a14="http://schemas.microsoft.com/office/drawing/2010/main" xmlns="">
                 <a:solidFill>
                   <a:schemeClr val="accent1"/>
                 </a:solidFill>
               </a14:hiddenFill>
             </a:ext>
             <a:ext uri="{91240B29-F687-4F45-9708-019B960494DF}">
-              <a14:hiddenLine xmlns="" xmlns:a14="http://schemas.microsoft.com/office/drawing/2010/main" w="9525">
+              <a14:hiddenLine xmlns:a14="http://schemas.microsoft.com/office/drawing/2010/main" xmlns="" w="9525">
                 <a:solidFill>
                   <a:schemeClr val="tx1"/>
                 </a:solidFill>
@@ -707,7 +1138,7 @@
               </a14:hiddenLine>
             </a:ext>
             <a:ext uri="{AF507438-7753-43E0-B8FC-AC1667EBCBE1}">
-              <a14:hiddenEffects xmlns="" xmlns:a14="http://schemas.microsoft.com/office/drawing/2010/main">
+              <a14:hiddenEffects xmlns:a14="http://schemas.microsoft.com/office/drawing/2010/main" xmlns="">
                 <a:effectLst>
                   <a:outerShdw dist="35921" dir="2700000" algn="ctr" rotWithShape="0">
                     <a:schemeClr val="bg2"/>
@@ -848,7 +1279,7 @@
     </p:spTree>
     <p:extLst>
       <p:ext uri="{BB962C8B-B14F-4D97-AF65-F5344CB8AC3E}">
-        <p14:creationId xmlns="" xmlns:p14="http://schemas.microsoft.com/office/powerpoint/2010/main" val="2097366919"/>
+        <p14:creationId xmlns:p14="http://schemas.microsoft.com/office/powerpoint/2010/main" xmlns="" val="2097366919"/>
       </p:ext>
     </p:extLst>
   </p:cSld>
@@ -1372,7 +1803,7 @@
     </p:spTree>
     <p:extLst>
       <p:ext uri="{BB962C8B-B14F-4D97-AF65-F5344CB8AC3E}">
-        <p14:creationId xmlns:p14="http://schemas.microsoft.com/office/powerpoint/2010/main" xmlns="" val="3537187278"/>
+        <p14:creationId xmlns="" xmlns:p14="http://schemas.microsoft.com/office/powerpoint/2010/main" val="3537187278"/>
       </p:ext>
     </p:extLst>
   </p:cSld>
@@ -1418,7 +1849,7 @@
           <a:blip r:embed="rId2" cstate="print">
             <a:extLst>
               <a:ext uri="{28A0092B-C50C-407E-A947-70E740481C1C}">
-                <a14:useLocalDpi xmlns:a14="http://schemas.microsoft.com/office/drawing/2010/main" xmlns="" val="0"/>
+                <a14:useLocalDpi xmlns="" xmlns:a14="http://schemas.microsoft.com/office/drawing/2010/main" val="0"/>
               </a:ext>
             </a:extLst>
           </a:blip>
@@ -1442,14 +1873,14 @@
           <a:effectLst/>
           <a:extLst>
             <a:ext uri="{909E8E84-426E-40DD-AFC4-6F175D3DCCD1}">
-              <a14:hiddenFill xmlns:a14="http://schemas.microsoft.com/office/drawing/2010/main" xmlns="">
+              <a14:hiddenFill xmlns="" xmlns:a14="http://schemas.microsoft.com/office/drawing/2010/main">
                 <a:solidFill>
                   <a:schemeClr val="accent1"/>
                 </a:solidFill>
               </a14:hiddenFill>
             </a:ext>
             <a:ext uri="{91240B29-F687-4F45-9708-019B960494DF}">
-              <a14:hiddenLine xmlns:a14="http://schemas.microsoft.com/office/drawing/2010/main" xmlns="" w="9525">
+              <a14:hiddenLine xmlns="" xmlns:a14="http://schemas.microsoft.com/office/drawing/2010/main" w="9525">
                 <a:solidFill>
                   <a:schemeClr val="tx1"/>
                 </a:solidFill>
@@ -1459,7 +1890,7 @@
               </a14:hiddenLine>
             </a:ext>
             <a:ext uri="{AF507438-7753-43E0-B8FC-AC1667EBCBE1}">
-              <a14:hiddenEffects xmlns:a14="http://schemas.microsoft.com/office/drawing/2010/main" xmlns="">
+              <a14:hiddenEffects xmlns="" xmlns:a14="http://schemas.microsoft.com/office/drawing/2010/main">
                 <a:effectLst>
                   <a:outerShdw dist="35921" dir="2700000" algn="ctr" rotWithShape="0">
                     <a:schemeClr val="bg2"/>
@@ -1600,7 +2031,7 @@
     </p:spTree>
     <p:extLst>
       <p:ext uri="{BB962C8B-B14F-4D97-AF65-F5344CB8AC3E}">
-        <p14:creationId xmlns:p14="http://schemas.microsoft.com/office/powerpoint/2010/main" xmlns="" val="2097366919"/>
+        <p14:creationId xmlns="" xmlns:p14="http://schemas.microsoft.com/office/powerpoint/2010/main" val="2097366919"/>
       </p:ext>
     </p:extLst>
   </p:cSld>
@@ -1675,7 +2106,7 @@
     </p:spTree>
     <p:extLst>
       <p:ext uri="{BB962C8B-B14F-4D97-AF65-F5344CB8AC3E}">
-        <p14:creationId xmlns="" xmlns:p14="http://schemas.microsoft.com/office/powerpoint/2010/main" val="779007194"/>
+        <p14:creationId xmlns:p14="http://schemas.microsoft.com/office/powerpoint/2010/main" xmlns="" val="779007194"/>
       </p:ext>
     </p:extLst>
   </p:cSld>
@@ -2007,7 +2438,9 @@
           <a:lstStyle/>
           <a:p>
             <a:pPr algn="ctr"/>
-            <a:endParaRPr lang="en-US" dirty="0"/>
+            <a:endParaRPr lang="en-US" dirty="0">
+              <a:latin typeface="Calibri" pitchFamily="34" charset="0"/>
+            </a:endParaRPr>
           </a:p>
         </p:txBody>
       </p:sp>
@@ -2038,7 +2471,7 @@
                 <a:solidFill>
                   <a:schemeClr val="bg1"/>
                 </a:solidFill>
-                <a:latin typeface="Roboto Thin" panose="02000000000000000000" pitchFamily="2" charset="0"/>
+                <a:latin typeface="Calibri" pitchFamily="34" charset="0"/>
                 <a:ea typeface="Roboto Thin" panose="02000000000000000000" pitchFamily="2" charset="0"/>
                 <a:cs typeface="Roboto Thin" panose="02000000000000000000" pitchFamily="2" charset="0"/>
               </a:rPr>
@@ -2048,7 +2481,7 @@
               <a:solidFill>
                 <a:srgbClr val="7564BC"/>
               </a:solidFill>
-              <a:latin typeface="Roboto Thin" panose="02000000000000000000" pitchFamily="2" charset="0"/>
+              <a:latin typeface="Calibri" pitchFamily="34" charset="0"/>
               <a:ea typeface="Roboto Thin" panose="02000000000000000000" pitchFamily="2" charset="0"/>
               <a:cs typeface="Roboto Thin" panose="02000000000000000000" pitchFamily="2" charset="0"/>
             </a:endParaRPr>
@@ -2240,7 +2673,7 @@
                     <a:lumOff val="10000"/>
                   </a:schemeClr>
                 </a:solidFill>
-                <a:latin typeface="Roboto Light" panose="02000000000000000000" pitchFamily="2" charset="0"/>
+                <a:latin typeface="Calibri" pitchFamily="34" charset="0"/>
                 <a:ea typeface="Roboto Light" panose="02000000000000000000" pitchFamily="2" charset="0"/>
                 <a:cs typeface="Roboto Light" panose="02000000000000000000" pitchFamily="2" charset="0"/>
               </a:rPr>
@@ -2253,7 +2686,7 @@
                   <a:lumOff val="10000"/>
                 </a:schemeClr>
               </a:solidFill>
-              <a:latin typeface="Roboto Light" panose="02000000000000000000" pitchFamily="2" charset="0"/>
+              <a:latin typeface="Calibri" pitchFamily="34" charset="0"/>
               <a:ea typeface="Roboto Light" panose="02000000000000000000" pitchFamily="2" charset="0"/>
               <a:cs typeface="Roboto Light" panose="02000000000000000000" pitchFamily="2" charset="0"/>
             </a:endParaRPr>
@@ -2272,7 +2705,7 @@
           <a:blip r:embed="rId2" cstate="print">
             <a:extLst>
               <a:ext uri="{28A0092B-C50C-407E-A947-70E740481C1C}">
-                <a14:useLocalDpi xmlns:a14="http://schemas.microsoft.com/office/drawing/2010/main" xmlns="" val="0"/>
+                <a14:useLocalDpi xmlns="" xmlns:a14="http://schemas.microsoft.com/office/drawing/2010/main" val="0"/>
               </a:ext>
             </a:extLst>
           </a:blip>
@@ -2292,7 +2725,7 @@
           <a:noFill/>
           <a:extLst>
             <a:ext uri="{909E8E84-426E-40DD-AFC4-6F175D3DCCD1}">
-              <a14:hiddenFill xmlns:a14="http://schemas.microsoft.com/office/drawing/2010/main" xmlns="">
+              <a14:hiddenFill xmlns="" xmlns:a14="http://schemas.microsoft.com/office/drawing/2010/main">
                 <a:solidFill>
                   <a:srgbClr val="FFFFFF"/>
                 </a:solidFill>
@@ -2309,8 +2742,8 @@
         </p:nvSpPr>
         <p:spPr>
           <a:xfrm>
-            <a:off x="976313" y="4217802"/>
-            <a:ext cx="6214744" cy="1446550"/>
+            <a:off x="976312" y="4217802"/>
+            <a:ext cx="7700144" cy="707886"/>
           </a:xfrm>
           <a:prstGeom prst="rect">
             <a:avLst/>
@@ -2324,24 +2757,48 @@
           <a:lstStyle/>
           <a:p>
             <a:r>
-              <a:rPr lang="ru-RU" sz="4400" dirty="0" smtClean="0">
+              <a:rPr lang="ru-RU" sz="4000" dirty="0" smtClean="0">
                 <a:solidFill>
                   <a:srgbClr val="7564BC"/>
                 </a:solidFill>
-                <a:latin typeface="Roboto Black" panose="02000000000000000000" pitchFamily="2" charset="0"/>
+                <a:latin typeface="Calibri" pitchFamily="34" charset="0"/>
                 <a:ea typeface="Roboto Black" panose="02000000000000000000" pitchFamily="2" charset="0"/>
                 <a:cs typeface="Roboto Black" panose="02000000000000000000" pitchFamily="2" charset="0"/>
               </a:rPr>
-              <a:t>Документ и объекты страницы.</a:t>
-            </a:r>
-            <a:endParaRPr lang="en-US" dirty="0"/>
+              <a:t>Документ и </a:t>
+            </a:r>
+            <a:r>
+              <a:rPr lang="ru-RU" sz="4000" dirty="0" smtClean="0">
+                <a:solidFill>
+                  <a:srgbClr val="7564BC"/>
+                </a:solidFill>
+                <a:latin typeface="Calibri" pitchFamily="34" charset="0"/>
+                <a:ea typeface="Roboto Black" panose="02000000000000000000" pitchFamily="2" charset="0"/>
+                <a:cs typeface="Roboto Black" panose="02000000000000000000" pitchFamily="2" charset="0"/>
+              </a:rPr>
+              <a:t>объекты </a:t>
+            </a:r>
+            <a:r>
+              <a:rPr lang="ru-RU" sz="4000" dirty="0" smtClean="0">
+                <a:solidFill>
+                  <a:srgbClr val="7564BC"/>
+                </a:solidFill>
+                <a:latin typeface="Calibri" pitchFamily="34" charset="0"/>
+                <a:ea typeface="Roboto Black" panose="02000000000000000000" pitchFamily="2" charset="0"/>
+                <a:cs typeface="Roboto Black" panose="02000000000000000000" pitchFamily="2" charset="0"/>
+              </a:rPr>
+              <a:t>страницы.</a:t>
+            </a:r>
+            <a:endParaRPr lang="en-US" sz="4000" dirty="0">
+              <a:latin typeface="Calibri" pitchFamily="34" charset="0"/>
+            </a:endParaRPr>
           </a:p>
         </p:txBody>
       </p:sp>
     </p:spTree>
     <p:extLst>
       <p:ext uri="{BB962C8B-B14F-4D97-AF65-F5344CB8AC3E}">
-        <p14:creationId xmlns:p14="http://schemas.microsoft.com/office/powerpoint/2010/main" xmlns="" val="3436223543"/>
+        <p14:creationId xmlns="" xmlns:p14="http://schemas.microsoft.com/office/powerpoint/2010/main" val="3436223543"/>
       </p:ext>
     </p:extLst>
   </p:cSld>
@@ -2396,14 +2853,20 @@
           <a:lstStyle/>
           <a:p>
             <a:r>
-              <a:rPr lang="ru-RU" sz="2800" b="1" dirty="0" smtClean="0"/>
+              <a:rPr lang="ru-RU" sz="2800" dirty="0" smtClean="0">
+                <a:latin typeface="Calibri" pitchFamily="34" charset="0"/>
+              </a:rPr>
               <a:t>Иерархия объектов клиентского </a:t>
             </a:r>
             <a:r>
-              <a:rPr lang="en-US" sz="2800" b="1" dirty="0" smtClean="0"/>
+              <a:rPr lang="en-US" sz="2800" dirty="0" smtClean="0">
+                <a:latin typeface="Calibri" pitchFamily="34" charset="0"/>
+              </a:rPr>
               <a:t>JS</a:t>
             </a:r>
-            <a:endParaRPr lang="en-US" sz="2800" b="1" dirty="0"/>
+            <a:endParaRPr lang="en-US" sz="2800" dirty="0">
+              <a:latin typeface="Calibri" pitchFamily="34" charset="0"/>
+            </a:endParaRPr>
           </a:p>
         </p:txBody>
       </p:sp>
@@ -2436,7 +2899,7 @@
     </p:spTree>
     <p:extLst>
       <p:ext uri="{BB962C8B-B14F-4D97-AF65-F5344CB8AC3E}">
-        <p14:creationId xmlns:p14="http://schemas.microsoft.com/office/powerpoint/2010/main" xmlns="" val="9290874"/>
+        <p14:creationId xmlns="" xmlns:p14="http://schemas.microsoft.com/office/powerpoint/2010/main" val="9290874"/>
       </p:ext>
     </p:extLst>
   </p:cSld>
@@ -2482,7 +2945,7 @@
         </p:nvSpPr>
         <p:spPr>
           <a:xfrm>
-            <a:off x="457200" y="188641"/>
+            <a:off x="467544" y="116632"/>
             <a:ext cx="8229600" cy="1080120"/>
           </a:xfrm>
         </p:spPr>
@@ -2491,14 +2954,20 @@
           <a:lstStyle/>
           <a:p>
             <a:r>
-              <a:rPr lang="en-US" sz="3200" b="1" dirty="0" err="1" smtClean="0"/>
+              <a:rPr lang="en-US" sz="2800" dirty="0" err="1" smtClean="0">
+                <a:latin typeface="Calibri" pitchFamily="34" charset="0"/>
+              </a:rPr>
               <a:t>BOM</a:t>
             </a:r>
             <a:r>
-              <a:rPr lang="en-US" sz="3200" b="1" dirty="0" smtClean="0"/>
+              <a:rPr lang="en-US" sz="2800" dirty="0" smtClean="0">
+                <a:latin typeface="Calibri" pitchFamily="34" charset="0"/>
+              </a:rPr>
               <a:t> &amp; DOM</a:t>
             </a:r>
-            <a:endParaRPr lang="en-US" sz="3200" dirty="0"/>
+            <a:endParaRPr lang="en-US" sz="2800" dirty="0">
+              <a:latin typeface="Calibri" pitchFamily="34" charset="0"/>
+            </a:endParaRPr>
           </a:p>
         </p:txBody>
       </p:sp>
@@ -2539,45 +3008,65 @@
           <a:p>
             <a:pPr algn="just"/>
             <a:r>
-              <a:rPr lang="en-US" b="1" dirty="0" err="1" smtClean="0"/>
+              <a:rPr lang="en-US" b="1" dirty="0" err="1" smtClean="0">
+                <a:latin typeface="Calibri" pitchFamily="34" charset="0"/>
+              </a:rPr>
               <a:t>BOM</a:t>
             </a:r>
             <a:r>
-              <a:rPr lang="en-US" b="1" dirty="0" smtClean="0"/>
+              <a:rPr lang="en-US" b="1" dirty="0" smtClean="0">
+                <a:latin typeface="Calibri" pitchFamily="34" charset="0"/>
+              </a:rPr>
               <a:t> (Browser Object Model)</a:t>
             </a:r>
             <a:r>
-              <a:rPr lang="ru-RU" dirty="0" smtClean="0"/>
+              <a:rPr lang="ru-RU" dirty="0" smtClean="0">
+                <a:latin typeface="Calibri" pitchFamily="34" charset="0"/>
+              </a:rPr>
               <a:t> </a:t>
             </a:r>
             <a:r>
-              <a:rPr lang="ru-RU" dirty="0"/>
+              <a:rPr lang="ru-RU" dirty="0">
+                <a:latin typeface="Calibri" pitchFamily="34" charset="0"/>
+              </a:rPr>
               <a:t>– это объекты для работы с чем угодно, кроме документа</a:t>
             </a:r>
             <a:r>
-              <a:rPr lang="ru-RU" dirty="0" smtClean="0"/>
+              <a:rPr lang="ru-RU" dirty="0" smtClean="0">
+                <a:latin typeface="Calibri" pitchFamily="34" charset="0"/>
+              </a:rPr>
               <a:t>.</a:t>
             </a:r>
-            <a:endParaRPr lang="ru-RU" dirty="0"/>
+            <a:endParaRPr lang="ru-RU" dirty="0">
+              <a:latin typeface="Calibri" pitchFamily="34" charset="0"/>
+            </a:endParaRPr>
           </a:p>
           <a:p>
             <a:pPr algn="just"/>
             <a:r>
-              <a:rPr lang="ru-RU" dirty="0"/>
+              <a:rPr lang="ru-RU" dirty="0">
+                <a:latin typeface="Calibri" pitchFamily="34" charset="0"/>
+              </a:rPr>
               <a:t>Например</a:t>
             </a:r>
             <a:r>
-              <a:rPr lang="ru-RU" dirty="0" smtClean="0"/>
+              <a:rPr lang="ru-RU" dirty="0" smtClean="0">
+                <a:latin typeface="Calibri" pitchFamily="34" charset="0"/>
+              </a:rPr>
               <a:t>:</a:t>
             </a:r>
             <a:r>
-              <a:rPr lang="en-US" dirty="0" smtClean="0"/>
+              <a:rPr lang="en-US" dirty="0" smtClean="0">
+                <a:latin typeface="Calibri" pitchFamily="34" charset="0"/>
+              </a:rPr>
               <a:t> </a:t>
             </a:r>
           </a:p>
           <a:p>
             <a:pPr algn="just"/>
-            <a:endParaRPr lang="ru-RU" dirty="0"/>
+            <a:endParaRPr lang="ru-RU" dirty="0">
+              <a:latin typeface="Calibri" pitchFamily="34" charset="0"/>
+            </a:endParaRPr>
           </a:p>
           <a:p>
             <a:pPr algn="just">
@@ -2585,35 +3074,48 @@
               <a:buChar char="§"/>
             </a:pPr>
             <a:r>
-              <a:rPr lang="en-US" dirty="0" smtClean="0"/>
+              <a:rPr lang="en-US" dirty="0" smtClean="0">
+                <a:latin typeface="Calibri" pitchFamily="34" charset="0"/>
+              </a:rPr>
               <a:t>  </a:t>
             </a:r>
             <a:r>
-              <a:rPr lang="ru-RU" dirty="0" smtClean="0"/>
+              <a:rPr lang="ru-RU" dirty="0" smtClean="0">
+                <a:latin typeface="Calibri" pitchFamily="34" charset="0"/>
+              </a:rPr>
               <a:t>Объект</a:t>
             </a:r>
             <a:r>
-              <a:rPr lang="ru-RU" dirty="0"/>
+              <a:rPr lang="ru-RU" dirty="0">
+                <a:latin typeface="Calibri" pitchFamily="34" charset="0"/>
+              </a:rPr>
               <a:t> </a:t>
             </a:r>
             <a:r>
               <a:rPr lang="ru-RU" dirty="0" err="1">
+                <a:latin typeface="Calibri" pitchFamily="34" charset="0"/>
                 <a:hlinkClick r:id="rId2"/>
               </a:rPr>
               <a:t>navigator</a:t>
             </a:r>
             <a:r>
-              <a:rPr lang="ru-RU" dirty="0"/>
+              <a:rPr lang="ru-RU" dirty="0">
+                <a:latin typeface="Calibri" pitchFamily="34" charset="0"/>
+              </a:rPr>
               <a:t> содержит общую информацию о браузере и операционной системе. </a:t>
             </a:r>
-            <a:endParaRPr lang="en-US" dirty="0" smtClean="0"/>
+            <a:endParaRPr lang="en-US" dirty="0" smtClean="0">
+              <a:latin typeface="Calibri" pitchFamily="34" charset="0"/>
+            </a:endParaRPr>
           </a:p>
           <a:p>
             <a:pPr algn="just">
               <a:buFont typeface="Wingdings" pitchFamily="2" charset="2"/>
               <a:buChar char="§"/>
             </a:pPr>
-            <a:endParaRPr lang="ru-RU" dirty="0"/>
+            <a:endParaRPr lang="ru-RU" dirty="0">
+              <a:latin typeface="Calibri" pitchFamily="34" charset="0"/>
+            </a:endParaRPr>
           </a:p>
           <a:p>
             <a:pPr algn="just">
@@ -2621,45 +3123,64 @@
               <a:buChar char="§"/>
             </a:pPr>
             <a:r>
-              <a:rPr lang="en-US" dirty="0" smtClean="0"/>
+              <a:rPr lang="en-US" dirty="0" smtClean="0">
+                <a:latin typeface="Calibri" pitchFamily="34" charset="0"/>
+              </a:rPr>
               <a:t>  </a:t>
             </a:r>
             <a:r>
-              <a:rPr lang="ru-RU" dirty="0" smtClean="0"/>
+              <a:rPr lang="ru-RU" dirty="0" smtClean="0">
+                <a:latin typeface="Calibri" pitchFamily="34" charset="0"/>
+              </a:rPr>
               <a:t>Объект</a:t>
             </a:r>
             <a:r>
-              <a:rPr lang="ru-RU" dirty="0"/>
+              <a:rPr lang="ru-RU" dirty="0">
+                <a:latin typeface="Calibri" pitchFamily="34" charset="0"/>
+              </a:rPr>
               <a:t> </a:t>
             </a:r>
             <a:r>
               <a:rPr lang="ru-RU" dirty="0" err="1">
+                <a:latin typeface="Calibri" pitchFamily="34" charset="0"/>
                 <a:hlinkClick r:id="rId3"/>
               </a:rPr>
               <a:t>location</a:t>
             </a:r>
             <a:r>
-              <a:rPr lang="ru-RU" dirty="0"/>
+              <a:rPr lang="ru-RU" dirty="0">
+                <a:latin typeface="Calibri" pitchFamily="34" charset="0"/>
+              </a:rPr>
               <a:t> содержит информацию о текущем </a:t>
             </a:r>
             <a:r>
-              <a:rPr lang="ru-RU" dirty="0" err="1"/>
+              <a:rPr lang="ru-RU" dirty="0" err="1">
+                <a:latin typeface="Calibri" pitchFamily="34" charset="0"/>
+              </a:rPr>
               <a:t>URL</a:t>
             </a:r>
             <a:r>
-              <a:rPr lang="ru-RU" dirty="0"/>
+              <a:rPr lang="ru-RU" dirty="0">
+                <a:latin typeface="Calibri" pitchFamily="34" charset="0"/>
+              </a:rPr>
               <a:t> страницы и позволяет перенаправить посетителя на новый </a:t>
             </a:r>
             <a:r>
-              <a:rPr lang="ru-RU" dirty="0" err="1"/>
+              <a:rPr lang="ru-RU" dirty="0" err="1">
+                <a:latin typeface="Calibri" pitchFamily="34" charset="0"/>
+              </a:rPr>
               <a:t>URL</a:t>
             </a:r>
             <a:r>
-              <a:rPr lang="ru-RU" dirty="0" smtClean="0"/>
+              <a:rPr lang="ru-RU" dirty="0" smtClean="0">
+                <a:latin typeface="Calibri" pitchFamily="34" charset="0"/>
+              </a:rPr>
               <a:t>.</a:t>
             </a:r>
             <a:r>
-              <a:rPr lang="en-US" dirty="0" smtClean="0"/>
+              <a:rPr lang="en-US" dirty="0" smtClean="0">
+                <a:latin typeface="Calibri" pitchFamily="34" charset="0"/>
+              </a:rPr>
               <a:t> </a:t>
             </a:r>
           </a:p>
@@ -2668,7 +3189,9 @@
               <a:buFont typeface="Wingdings" pitchFamily="2" charset="2"/>
               <a:buChar char="§"/>
             </a:pPr>
-            <a:endParaRPr lang="ru-RU" dirty="0"/>
+            <a:endParaRPr lang="ru-RU" dirty="0">
+              <a:latin typeface="Calibri" pitchFamily="34" charset="0"/>
+            </a:endParaRPr>
           </a:p>
           <a:p>
             <a:pPr algn="just">
@@ -2676,52 +3199,76 @@
               <a:buChar char="§"/>
             </a:pPr>
             <a:r>
-              <a:rPr lang="en-US" dirty="0" smtClean="0"/>
+              <a:rPr lang="en-US" dirty="0" smtClean="0">
+                <a:latin typeface="Calibri" pitchFamily="34" charset="0"/>
+              </a:rPr>
               <a:t>  </a:t>
             </a:r>
             <a:r>
-              <a:rPr lang="ru-RU" dirty="0" smtClean="0"/>
+              <a:rPr lang="ru-RU" dirty="0" smtClean="0">
+                <a:latin typeface="Calibri" pitchFamily="34" charset="0"/>
+              </a:rPr>
               <a:t>Функции</a:t>
             </a:r>
             <a:r>
-              <a:rPr lang="ru-RU" dirty="0"/>
+              <a:rPr lang="ru-RU" dirty="0">
+                <a:latin typeface="Calibri" pitchFamily="34" charset="0"/>
+              </a:rPr>
               <a:t> </a:t>
             </a:r>
             <a:r>
-              <a:rPr lang="ru-RU" dirty="0" err="1"/>
+              <a:rPr lang="ru-RU" dirty="0" err="1">
+                <a:latin typeface="Calibri" pitchFamily="34" charset="0"/>
+              </a:rPr>
               <a:t>alert</a:t>
             </a:r>
             <a:r>
-              <a:rPr lang="ru-RU" dirty="0"/>
+              <a:rPr lang="ru-RU" dirty="0">
+                <a:latin typeface="Calibri" pitchFamily="34" charset="0"/>
+              </a:rPr>
               <a:t>/</a:t>
             </a:r>
             <a:r>
-              <a:rPr lang="ru-RU" dirty="0" err="1"/>
+              <a:rPr lang="ru-RU" dirty="0" err="1">
+                <a:latin typeface="Calibri" pitchFamily="34" charset="0"/>
+              </a:rPr>
               <a:t>confirm</a:t>
             </a:r>
             <a:r>
-              <a:rPr lang="ru-RU" dirty="0"/>
+              <a:rPr lang="ru-RU" dirty="0">
+                <a:latin typeface="Calibri" pitchFamily="34" charset="0"/>
+              </a:rPr>
               <a:t>/</a:t>
             </a:r>
             <a:r>
-              <a:rPr lang="ru-RU" dirty="0" err="1"/>
+              <a:rPr lang="ru-RU" dirty="0" err="1">
+                <a:latin typeface="Calibri" pitchFamily="34" charset="0"/>
+              </a:rPr>
               <a:t>prompt</a:t>
             </a:r>
             <a:r>
-              <a:rPr lang="ru-RU" dirty="0"/>
+              <a:rPr lang="ru-RU" dirty="0">
+                <a:latin typeface="Calibri" pitchFamily="34" charset="0"/>
+              </a:rPr>
               <a:t> – тоже входят в </a:t>
             </a:r>
             <a:r>
-              <a:rPr lang="ru-RU" dirty="0" err="1"/>
+              <a:rPr lang="ru-RU" dirty="0" err="1">
+                <a:latin typeface="Calibri" pitchFamily="34" charset="0"/>
+              </a:rPr>
               <a:t>BOM</a:t>
             </a:r>
             <a:r>
-              <a:rPr lang="ru-RU" dirty="0"/>
+              <a:rPr lang="ru-RU" dirty="0">
+                <a:latin typeface="Calibri" pitchFamily="34" charset="0"/>
+              </a:rPr>
               <a:t>.</a:t>
             </a:r>
           </a:p>
           <a:p>
-            <a:endParaRPr lang="en-US" dirty="0"/>
+            <a:endParaRPr lang="en-US" dirty="0">
+              <a:latin typeface="Calibri" pitchFamily="34" charset="0"/>
+            </a:endParaRPr>
           </a:p>
         </p:txBody>
       </p:sp>
@@ -2733,8 +3280,8 @@
         </p:nvSpPr>
         <p:spPr>
           <a:xfrm>
-            <a:off x="4499992" y="1268760"/>
-            <a:ext cx="4320480" cy="4247317"/>
+            <a:off x="4572000" y="1268760"/>
+            <a:ext cx="4320480" cy="4524315"/>
           </a:xfrm>
           <a:prstGeom prst="rect">
             <a:avLst/>
@@ -2762,82 +3309,134 @@
           <a:p>
             <a:pPr algn="just"/>
             <a:r>
-              <a:rPr lang="en-US" b="1" dirty="0" smtClean="0"/>
+              <a:rPr lang="en-US" b="1" dirty="0" smtClean="0">
+                <a:latin typeface="Calibri" pitchFamily="34" charset="0"/>
+              </a:rPr>
               <a:t>DOM (Document Object Model) </a:t>
             </a:r>
             <a:r>
-              <a:rPr lang="en-US" dirty="0" smtClean="0"/>
+              <a:rPr lang="en-US" dirty="0" smtClean="0">
+                <a:latin typeface="Calibri" pitchFamily="34" charset="0"/>
+              </a:rPr>
               <a:t>- </a:t>
             </a:r>
             <a:r>
-              <a:rPr lang="ru-RU" dirty="0" smtClean="0"/>
+              <a:rPr lang="ru-RU" dirty="0" smtClean="0">
+                <a:latin typeface="Calibri" pitchFamily="34" charset="0"/>
+              </a:rPr>
               <a:t>объектная модель документа – структура объектов представляющая загруженный </a:t>
             </a:r>
             <a:r>
-              <a:rPr lang="ru-RU" dirty="0" err="1" smtClean="0"/>
+              <a:rPr lang="ru-RU" dirty="0" err="1" smtClean="0">
+                <a:latin typeface="Calibri" pitchFamily="34" charset="0"/>
+              </a:rPr>
               <a:t>HTML</a:t>
             </a:r>
             <a:r>
-              <a:rPr lang="ru-RU" dirty="0" smtClean="0"/>
+              <a:rPr lang="ru-RU" dirty="0" smtClean="0">
+                <a:latin typeface="Calibri" pitchFamily="34" charset="0"/>
+              </a:rPr>
               <a:t> или </a:t>
             </a:r>
             <a:r>
-              <a:rPr lang="ru-RU" dirty="0" err="1" smtClean="0"/>
+              <a:rPr lang="ru-RU" dirty="0" err="1" smtClean="0">
+                <a:latin typeface="Calibri" pitchFamily="34" charset="0"/>
+              </a:rPr>
               <a:t>XML</a:t>
             </a:r>
             <a:r>
-              <a:rPr lang="ru-RU" dirty="0" smtClean="0"/>
+              <a:rPr lang="ru-RU" dirty="0" smtClean="0">
+                <a:latin typeface="Calibri" pitchFamily="34" charset="0"/>
+              </a:rPr>
               <a:t> </a:t>
             </a:r>
             <a:r>
-              <a:rPr lang="ru-RU" dirty="0" err="1" smtClean="0"/>
+              <a:rPr lang="ru-RU" dirty="0" err="1" smtClean="0">
+                <a:latin typeface="Calibri" pitchFamily="34" charset="0"/>
+              </a:rPr>
               <a:t>контент</a:t>
             </a:r>
             <a:r>
-              <a:rPr lang="ru-RU" dirty="0" smtClean="0"/>
+              <a:rPr lang="ru-RU" dirty="0" smtClean="0">
+                <a:latin typeface="Calibri" pitchFamily="34" charset="0"/>
+              </a:rPr>
               <a:t> и позволяющая манипулировать этим </a:t>
             </a:r>
             <a:r>
-              <a:rPr lang="ru-RU" dirty="0" err="1" smtClean="0"/>
+              <a:rPr lang="ru-RU" dirty="0" err="1" smtClean="0">
+                <a:latin typeface="Calibri" pitchFamily="34" charset="0"/>
+              </a:rPr>
               <a:t>контентом</a:t>
             </a:r>
             <a:r>
-              <a:rPr lang="ru-RU" dirty="0" smtClean="0"/>
+              <a:rPr lang="ru-RU" dirty="0" smtClean="0">
+                <a:latin typeface="Calibri" pitchFamily="34" charset="0"/>
+              </a:rPr>
               <a:t>. </a:t>
             </a:r>
-            <a:endParaRPr lang="en-US" dirty="0" smtClean="0"/>
+            <a:endParaRPr lang="en-US" dirty="0" smtClean="0">
+              <a:latin typeface="Calibri" pitchFamily="34" charset="0"/>
+            </a:endParaRPr>
           </a:p>
           <a:p>
             <a:pPr algn="just"/>
-            <a:endParaRPr lang="en-US" dirty="0" smtClean="0"/>
+            <a:endParaRPr lang="en-US" dirty="0" smtClean="0">
+              <a:latin typeface="Calibri" pitchFamily="34" charset="0"/>
+            </a:endParaRPr>
           </a:p>
           <a:p>
             <a:pPr algn="just"/>
             <a:r>
-              <a:rPr lang="ru-RU" dirty="0" err="1" smtClean="0"/>
-              <a:t>DOM</a:t>
-            </a:r>
-            <a:r>
-              <a:rPr lang="ru-RU" dirty="0" smtClean="0"/>
-              <a:t> </a:t>
-            </a:r>
-            <a:r>
-              <a:rPr lang="ru-RU" dirty="0"/>
-              <a:t>может быть представлен в виде дерева узлов, каждый узел которого представляет собой элемент, атрибут, текстовый, графический или любой другой объект. Узлы связаны между собой отношениями «</a:t>
-            </a:r>
-            <a:r>
-              <a:rPr lang="ru-RU" dirty="0" err="1"/>
+              <a:rPr lang="ru-RU" dirty="0" smtClean="0">
+                <a:latin typeface="Calibri" pitchFamily="34" charset="0"/>
+              </a:rPr>
+              <a:t>DOM </a:t>
+            </a:r>
+            <a:r>
+              <a:rPr lang="ru-RU" dirty="0">
+                <a:latin typeface="Calibri" pitchFamily="34" charset="0"/>
+              </a:rPr>
+              <a:t>может быть представлен в виде дерева узлов, каждый узел которого представляет собой элемент, атрибут, текстовый, графический или любой другой объект. </a:t>
+            </a:r>
+            <a:endParaRPr lang="en-US" dirty="0" smtClean="0">
+              <a:latin typeface="Calibri" pitchFamily="34" charset="0"/>
+            </a:endParaRPr>
+          </a:p>
+          <a:p>
+            <a:pPr algn="just"/>
+            <a:endParaRPr lang="en-US" dirty="0" smtClean="0">
+              <a:latin typeface="Calibri" pitchFamily="34" charset="0"/>
+            </a:endParaRPr>
+          </a:p>
+          <a:p>
+            <a:pPr algn="just"/>
+            <a:r>
+              <a:rPr lang="ru-RU" dirty="0" smtClean="0">
+                <a:latin typeface="Calibri" pitchFamily="34" charset="0"/>
+              </a:rPr>
+              <a:t>Узлы связаны между собой отношениями «</a:t>
+            </a:r>
+            <a:r>
+              <a:rPr lang="ru-RU" dirty="0" err="1" smtClean="0">
+                <a:latin typeface="Calibri" pitchFamily="34" charset="0"/>
+              </a:rPr>
               <a:t>родительский-дочерний</a:t>
             </a:r>
             <a:r>
-              <a:rPr lang="ru-RU" dirty="0" smtClean="0"/>
+              <a:rPr lang="ru-RU" dirty="0" smtClean="0">
+                <a:latin typeface="Calibri" pitchFamily="34" charset="0"/>
+              </a:rPr>
               <a:t>». </a:t>
             </a:r>
-            <a:endParaRPr lang="en-US" dirty="0" smtClean="0"/>
+            <a:endParaRPr lang="en-US" dirty="0" smtClean="0">
+              <a:latin typeface="Calibri" pitchFamily="34" charset="0"/>
+            </a:endParaRPr>
           </a:p>
           <a:p>
             <a:pPr algn="just"/>
-            <a:endParaRPr lang="ru-RU" dirty="0" smtClean="0"/>
+            <a:endParaRPr lang="ru-RU" dirty="0" smtClean="0">
+              <a:latin typeface="Calibri" pitchFamily="34" charset="0"/>
+            </a:endParaRPr>
           </a:p>
           <a:p>
             <a:pPr algn="just">
@@ -2845,21 +3444,27 @@
               <a:buChar char="§"/>
             </a:pPr>
             <a:r>
-              <a:rPr lang="ru-RU" dirty="0" smtClean="0"/>
+              <a:rPr lang="ru-RU" dirty="0" smtClean="0">
+                <a:latin typeface="Calibri" pitchFamily="34" charset="0"/>
+              </a:rPr>
               <a:t> Объект </a:t>
             </a:r>
             <a:r>
-              <a:rPr lang="en-US" b="1" dirty="0" smtClean="0"/>
+              <a:rPr lang="en-US" b="1" dirty="0" smtClean="0">
+                <a:latin typeface="Calibri" pitchFamily="34" charset="0"/>
+              </a:rPr>
               <a:t>Document.</a:t>
             </a:r>
-            <a:endParaRPr lang="en-US" b="1" dirty="0"/>
+            <a:endParaRPr lang="en-US" b="1" dirty="0">
+              <a:latin typeface="Calibri" pitchFamily="34" charset="0"/>
+            </a:endParaRPr>
           </a:p>
         </p:txBody>
       </p:sp>
     </p:spTree>
     <p:extLst>
       <p:ext uri="{BB962C8B-B14F-4D97-AF65-F5344CB8AC3E}">
-        <p14:creationId xmlns:p14="http://schemas.microsoft.com/office/powerpoint/2010/main" xmlns="" val="9290874"/>
+        <p14:creationId xmlns="" xmlns:p14="http://schemas.microsoft.com/office/powerpoint/2010/main" val="9290874"/>
       </p:ext>
     </p:extLst>
   </p:cSld>
@@ -2905,7 +3510,7 @@
         </p:nvSpPr>
         <p:spPr>
           <a:xfrm>
-            <a:off x="457200" y="279401"/>
+            <a:off x="467544" y="188640"/>
             <a:ext cx="8229600" cy="845343"/>
           </a:xfrm>
         </p:spPr>
@@ -2914,14 +3519,20 @@
           <a:lstStyle/>
           <a:p>
             <a:r>
-              <a:rPr lang="ru-RU" sz="3200" b="1" dirty="0" smtClean="0"/>
+              <a:rPr lang="ru-RU" sz="2800" dirty="0" smtClean="0">
+                <a:latin typeface="Calibri" pitchFamily="34" charset="0"/>
+              </a:rPr>
               <a:t>Иерархия </a:t>
             </a:r>
             <a:r>
-              <a:rPr lang="en-US" sz="3200" b="1" dirty="0" smtClean="0"/>
+              <a:rPr lang="en-US" sz="2800" dirty="0" smtClean="0">
+                <a:latin typeface="Calibri" pitchFamily="34" charset="0"/>
+              </a:rPr>
               <a:t>DOM</a:t>
             </a:r>
-            <a:endParaRPr lang="en-US" sz="3200" b="1" dirty="0"/>
+            <a:endParaRPr lang="en-US" sz="2800" dirty="0">
+              <a:latin typeface="Calibri" pitchFamily="34" charset="0"/>
+            </a:endParaRPr>
           </a:p>
         </p:txBody>
       </p:sp>
@@ -2954,7 +3565,7 @@
     </p:spTree>
     <p:extLst>
       <p:ext uri="{BB962C8B-B14F-4D97-AF65-F5344CB8AC3E}">
-        <p14:creationId xmlns:p14="http://schemas.microsoft.com/office/powerpoint/2010/main" xmlns="" val="9290874"/>
+        <p14:creationId xmlns="" xmlns:p14="http://schemas.microsoft.com/office/powerpoint/2010/main" val="9290874"/>
       </p:ext>
     </p:extLst>
   </p:cSld>
@@ -3000,7 +3611,7 @@
         </p:nvSpPr>
         <p:spPr>
           <a:xfrm>
-            <a:off x="457200" y="279401"/>
+            <a:off x="395536" y="188640"/>
             <a:ext cx="8229600" cy="845343"/>
           </a:xfrm>
         </p:spPr>
@@ -3009,18 +3620,26 @@
           <a:lstStyle/>
           <a:p>
             <a:r>
-              <a:rPr lang="ru-RU" sz="2800" b="1" dirty="0" smtClean="0"/>
+              <a:rPr lang="ru-RU" sz="2800" dirty="0" smtClean="0">
+                <a:latin typeface="Calibri" pitchFamily="34" charset="0"/>
+              </a:rPr>
               <a:t>Доступ к </a:t>
             </a:r>
             <a:r>
-              <a:rPr lang="en-US" sz="2800" b="1" dirty="0" smtClean="0"/>
+              <a:rPr lang="en-US" sz="2800" dirty="0" smtClean="0">
+                <a:latin typeface="Calibri" pitchFamily="34" charset="0"/>
+              </a:rPr>
               <a:t>html-</a:t>
             </a:r>
             <a:r>
-              <a:rPr lang="ru-RU" sz="2800" b="1" dirty="0" smtClean="0"/>
+              <a:rPr lang="ru-RU" sz="2800" dirty="0" smtClean="0">
+                <a:latin typeface="Calibri" pitchFamily="34" charset="0"/>
+              </a:rPr>
               <a:t>элементам страницы</a:t>
             </a:r>
-            <a:endParaRPr lang="en-US" sz="2800" b="1" dirty="0"/>
+            <a:endParaRPr lang="en-US" sz="2800" dirty="0">
+              <a:latin typeface="Calibri" pitchFamily="34" charset="0"/>
+            </a:endParaRPr>
           </a:p>
         </p:txBody>
       </p:sp>
@@ -3032,8 +3651,8 @@
         </p:nvSpPr>
         <p:spPr>
           <a:xfrm>
-            <a:off x="1259632" y="2132856"/>
-            <a:ext cx="6408712" cy="3816429"/>
+            <a:off x="1979712" y="2492896"/>
+            <a:ext cx="6408712" cy="2862322"/>
           </a:xfrm>
           <a:prstGeom prst="rect">
             <a:avLst/>
@@ -3047,15 +3666,21 @@
           <a:lstStyle/>
           <a:p>
             <a:r>
-              <a:rPr lang="en-US" sz="2800" dirty="0" err="1" smtClean="0"/>
+              <a:rPr lang="en-US" sz="2000" dirty="0" err="1" smtClean="0">
+                <a:latin typeface="Calibri" pitchFamily="34" charset="0"/>
+              </a:rPr>
               <a:t>getElementBy</a:t>
             </a:r>
             <a:r>
-              <a:rPr lang="en-US" sz="2800" b="1" dirty="0" err="1" smtClean="0"/>
+              <a:rPr lang="en-US" sz="2000" b="1" dirty="0" err="1" smtClean="0">
+                <a:latin typeface="Calibri" pitchFamily="34" charset="0"/>
+              </a:rPr>
               <a:t>Id</a:t>
             </a:r>
             <a:r>
-              <a:rPr lang="en-US" sz="2800" dirty="0" smtClean="0"/>
+              <a:rPr lang="en-US" sz="2000" dirty="0" smtClean="0">
+                <a:latin typeface="Calibri" pitchFamily="34" charset="0"/>
+              </a:rPr>
               <a:t>(id) </a:t>
             </a:r>
           </a:p>
@@ -3065,48 +3690,70 @@
               <a:buChar char="§"/>
             </a:pPr>
             <a:r>
-              <a:rPr lang="ru-RU" sz="2800" dirty="0"/>
+              <a:rPr lang="ru-RU" sz="2000" dirty="0">
+                <a:latin typeface="Calibri" pitchFamily="34" charset="0"/>
+              </a:rPr>
               <a:t> </a:t>
             </a:r>
             <a:r>
-              <a:rPr lang="uk-UA" sz="2800" dirty="0" err="1" smtClean="0"/>
+              <a:rPr lang="uk-UA" sz="2000" dirty="0" err="1" smtClean="0">
+                <a:latin typeface="Calibri" pitchFamily="34" charset="0"/>
+              </a:rPr>
               <a:t>возвращает</a:t>
             </a:r>
             <a:r>
-              <a:rPr lang="uk-UA" sz="2800" dirty="0" smtClean="0"/>
+              <a:rPr lang="uk-UA" sz="2000" dirty="0" smtClean="0">
+                <a:latin typeface="Calibri" pitchFamily="34" charset="0"/>
+              </a:rPr>
               <a:t> </a:t>
             </a:r>
             <a:r>
-              <a:rPr lang="uk-UA" sz="2800" dirty="0" err="1" smtClean="0"/>
+              <a:rPr lang="uk-UA" sz="2000" dirty="0" err="1" smtClean="0">
+                <a:latin typeface="Calibri" pitchFamily="34" charset="0"/>
+              </a:rPr>
               <a:t>элемент</a:t>
             </a:r>
             <a:r>
-              <a:rPr lang="uk-UA" sz="2800" dirty="0" smtClean="0"/>
+              <a:rPr lang="uk-UA" sz="2000" dirty="0" smtClean="0">
+                <a:latin typeface="Calibri" pitchFamily="34" charset="0"/>
+              </a:rPr>
               <a:t> </a:t>
             </a:r>
           </a:p>
           <a:p>
-            <a:endParaRPr lang="uk-UA" sz="2800" dirty="0" smtClean="0"/>
-          </a:p>
-          <a:p>
-            <a:r>
-              <a:rPr lang="en-US" sz="2800" dirty="0" err="1" smtClean="0"/>
+            <a:endParaRPr lang="uk-UA" sz="2000" dirty="0" smtClean="0">
+              <a:latin typeface="Calibri" pitchFamily="34" charset="0"/>
+            </a:endParaRPr>
+          </a:p>
+          <a:p>
+            <a:r>
+              <a:rPr lang="en-US" sz="2000" dirty="0" err="1" smtClean="0">
+                <a:latin typeface="Calibri" pitchFamily="34" charset="0"/>
+              </a:rPr>
               <a:t>getElement</a:t>
             </a:r>
             <a:r>
-              <a:rPr lang="en-US" sz="2800" b="1" dirty="0" err="1" smtClean="0"/>
+              <a:rPr lang="en-US" sz="2000" b="1" dirty="0" err="1" smtClean="0">
+                <a:latin typeface="Calibri" pitchFamily="34" charset="0"/>
+              </a:rPr>
               <a:t>s</a:t>
             </a:r>
             <a:r>
-              <a:rPr lang="en-US" sz="2800" dirty="0" err="1" smtClean="0"/>
+              <a:rPr lang="en-US" sz="2000" dirty="0" err="1" smtClean="0">
+                <a:latin typeface="Calibri" pitchFamily="34" charset="0"/>
+              </a:rPr>
               <a:t>By</a:t>
             </a:r>
             <a:r>
-              <a:rPr lang="en-US" sz="2800" b="1" dirty="0" err="1" smtClean="0"/>
+              <a:rPr lang="en-US" sz="2000" b="1" dirty="0" err="1" smtClean="0">
+                <a:latin typeface="Calibri" pitchFamily="34" charset="0"/>
+              </a:rPr>
               <a:t>Name</a:t>
             </a:r>
             <a:r>
-              <a:rPr lang="en-US" sz="2800" dirty="0" smtClean="0"/>
+              <a:rPr lang="en-US" sz="2000" dirty="0" smtClean="0">
+                <a:latin typeface="Calibri" pitchFamily="34" charset="0"/>
+              </a:rPr>
               <a:t>(name)</a:t>
             </a:r>
           </a:p>
@@ -3116,64 +3763,94 @@
               <a:buChar char="§"/>
             </a:pPr>
             <a:r>
-              <a:rPr lang="ru-RU" sz="2800" dirty="0"/>
+              <a:rPr lang="ru-RU" sz="2000" dirty="0">
+                <a:latin typeface="Calibri" pitchFamily="34" charset="0"/>
+              </a:rPr>
               <a:t> </a:t>
             </a:r>
             <a:r>
-              <a:rPr lang="uk-UA" sz="2800" dirty="0" err="1" smtClean="0"/>
+              <a:rPr lang="uk-UA" sz="2000" dirty="0" err="1" smtClean="0">
+                <a:latin typeface="Calibri" pitchFamily="34" charset="0"/>
+              </a:rPr>
               <a:t>возвращает</a:t>
             </a:r>
             <a:r>
-              <a:rPr lang="uk-UA" sz="2800" dirty="0" smtClean="0"/>
+              <a:rPr lang="uk-UA" sz="2000" dirty="0" smtClean="0">
+                <a:latin typeface="Calibri" pitchFamily="34" charset="0"/>
+              </a:rPr>
               <a:t> </a:t>
             </a:r>
             <a:r>
-              <a:rPr lang="uk-UA" sz="2800" dirty="0" err="1" smtClean="0"/>
+              <a:rPr lang="uk-UA" sz="2000" dirty="0" err="1" smtClean="0">
+                <a:latin typeface="Calibri" pitchFamily="34" charset="0"/>
+              </a:rPr>
               <a:t>массив</a:t>
             </a:r>
             <a:r>
-              <a:rPr lang="uk-UA" sz="2800" dirty="0" smtClean="0"/>
+              <a:rPr lang="uk-UA" sz="2000" dirty="0" smtClean="0">
+                <a:latin typeface="Calibri" pitchFamily="34" charset="0"/>
+              </a:rPr>
               <a:t> </a:t>
             </a:r>
             <a:r>
-              <a:rPr lang="uk-UA" sz="2800" dirty="0" err="1" smtClean="0"/>
+              <a:rPr lang="uk-UA" sz="2000" dirty="0" err="1" smtClean="0">
+                <a:latin typeface="Calibri" pitchFamily="34" charset="0"/>
+              </a:rPr>
               <a:t>элементов</a:t>
             </a:r>
             <a:r>
-              <a:rPr lang="uk-UA" sz="2800" dirty="0" smtClean="0"/>
+              <a:rPr lang="uk-UA" sz="2000" dirty="0" smtClean="0">
+                <a:latin typeface="Calibri" pitchFamily="34" charset="0"/>
+              </a:rPr>
               <a:t> </a:t>
             </a:r>
           </a:p>
           <a:p>
-            <a:endParaRPr lang="uk-UA" sz="2800" dirty="0" smtClean="0"/>
-          </a:p>
-          <a:p>
-            <a:r>
-              <a:rPr lang="en-US" sz="2800" dirty="0" err="1" smtClean="0"/>
+            <a:endParaRPr lang="uk-UA" sz="2000" dirty="0" smtClean="0">
+              <a:latin typeface="Calibri" pitchFamily="34" charset="0"/>
+            </a:endParaRPr>
+          </a:p>
+          <a:p>
+            <a:r>
+              <a:rPr lang="en-US" sz="2000" dirty="0" err="1" smtClean="0">
+                <a:latin typeface="Calibri" pitchFamily="34" charset="0"/>
+              </a:rPr>
               <a:t>getElement</a:t>
             </a:r>
             <a:r>
-              <a:rPr lang="en-US" sz="2800" b="1" dirty="0" err="1" smtClean="0"/>
+              <a:rPr lang="en-US" sz="2000" b="1" dirty="0" err="1" smtClean="0">
+                <a:latin typeface="Calibri" pitchFamily="34" charset="0"/>
+              </a:rPr>
               <a:t>s</a:t>
             </a:r>
             <a:r>
-              <a:rPr lang="en-US" sz="2800" dirty="0" err="1" smtClean="0"/>
+              <a:rPr lang="en-US" sz="2000" dirty="0" err="1" smtClean="0">
+                <a:latin typeface="Calibri" pitchFamily="34" charset="0"/>
+              </a:rPr>
               <a:t>By</a:t>
             </a:r>
             <a:r>
-              <a:rPr lang="en-US" sz="2800" b="1" dirty="0" err="1" smtClean="0"/>
+              <a:rPr lang="en-US" sz="2000" b="1" dirty="0" err="1" smtClean="0">
+                <a:latin typeface="Calibri" pitchFamily="34" charset="0"/>
+              </a:rPr>
               <a:t>TagName</a:t>
             </a:r>
             <a:r>
-              <a:rPr lang="en-US" sz="2800" dirty="0" smtClean="0"/>
+              <a:rPr lang="en-US" sz="2000" dirty="0" smtClean="0">
+                <a:latin typeface="Calibri" pitchFamily="34" charset="0"/>
+              </a:rPr>
               <a:t>(</a:t>
             </a:r>
             <a:r>
-              <a:rPr lang="en-US" sz="2800" dirty="0" err="1" smtClean="0"/>
+              <a:rPr lang="en-US" sz="2000" dirty="0" err="1" smtClean="0">
+                <a:latin typeface="Calibri" pitchFamily="34" charset="0"/>
+              </a:rPr>
               <a:t>tagName</a:t>
             </a:r>
             <a:r>
-              <a:rPr lang="en-US" sz="2800" dirty="0" smtClean="0"/>
+              <a:rPr lang="en-US" sz="2000" dirty="0" smtClean="0">
+                <a:latin typeface="Calibri" pitchFamily="34" charset="0"/>
+              </a:rPr>
               <a:t>)</a:t>
             </a:r>
           </a:p>
@@ -3183,33 +3860,49 @@
               <a:buChar char="§"/>
             </a:pPr>
             <a:r>
-              <a:rPr lang="ru-RU" sz="2800" dirty="0"/>
+              <a:rPr lang="ru-RU" sz="2000" dirty="0">
+                <a:latin typeface="Calibri" pitchFamily="34" charset="0"/>
+              </a:rPr>
               <a:t> </a:t>
             </a:r>
             <a:r>
-              <a:rPr lang="uk-UA" sz="2800" dirty="0" err="1" smtClean="0"/>
+              <a:rPr lang="uk-UA" sz="2000" dirty="0" err="1" smtClean="0">
+                <a:latin typeface="Calibri" pitchFamily="34" charset="0"/>
+              </a:rPr>
               <a:t>возвращает</a:t>
             </a:r>
             <a:r>
-              <a:rPr lang="uk-UA" sz="2800" dirty="0" smtClean="0"/>
+              <a:rPr lang="uk-UA" sz="2000" dirty="0" smtClean="0">
+                <a:latin typeface="Calibri" pitchFamily="34" charset="0"/>
+              </a:rPr>
               <a:t> </a:t>
             </a:r>
             <a:r>
-              <a:rPr lang="uk-UA" sz="2800" dirty="0" err="1" smtClean="0"/>
+              <a:rPr lang="uk-UA" sz="2000" dirty="0" err="1" smtClean="0">
+                <a:latin typeface="Calibri" pitchFamily="34" charset="0"/>
+              </a:rPr>
               <a:t>массив</a:t>
             </a:r>
             <a:r>
-              <a:rPr lang="uk-UA" sz="2800" dirty="0" smtClean="0"/>
+              <a:rPr lang="uk-UA" sz="2000" dirty="0" smtClean="0">
+                <a:latin typeface="Calibri" pitchFamily="34" charset="0"/>
+              </a:rPr>
               <a:t> </a:t>
             </a:r>
             <a:r>
-              <a:rPr lang="uk-UA" sz="2800" dirty="0" err="1" smtClean="0"/>
+              <a:rPr lang="uk-UA" sz="2000" dirty="0" err="1" smtClean="0">
+                <a:latin typeface="Calibri" pitchFamily="34" charset="0"/>
+              </a:rPr>
               <a:t>элементов</a:t>
             </a:r>
-            <a:endParaRPr lang="uk-UA" sz="2800" dirty="0" smtClean="0"/>
-          </a:p>
-          <a:p>
-            <a:endParaRPr lang="en-US" dirty="0"/>
+            <a:endParaRPr lang="uk-UA" sz="2000" dirty="0" smtClean="0">
+              <a:latin typeface="Calibri" pitchFamily="34" charset="0"/>
+            </a:endParaRPr>
+          </a:p>
+          <a:p>
+            <a:endParaRPr lang="en-US" sz="2000" dirty="0">
+              <a:latin typeface="Calibri" pitchFamily="34" charset="0"/>
+            </a:endParaRPr>
           </a:p>
         </p:txBody>
       </p:sp>
@@ -3243,6 +3936,7 @@
                     <a:lumMod val="75000"/>
                   </a:schemeClr>
                 </a:solidFill>
+                <a:latin typeface="Calibri" pitchFamily="34" charset="0"/>
               </a:rPr>
               <a:t>Document</a:t>
             </a:r>
@@ -3252,6 +3946,7 @@
                   <a:lumMod val="75000"/>
                 </a:schemeClr>
               </a:solidFill>
+              <a:latin typeface="Calibri" pitchFamily="34" charset="0"/>
             </a:endParaRPr>
           </a:p>
         </p:txBody>
@@ -3259,7 +3954,7 @@
     </p:spTree>
     <p:extLst>
       <p:ext uri="{BB962C8B-B14F-4D97-AF65-F5344CB8AC3E}">
-        <p14:creationId xmlns:p14="http://schemas.microsoft.com/office/powerpoint/2010/main" xmlns="" val="9290874"/>
+        <p14:creationId xmlns="" xmlns:p14="http://schemas.microsoft.com/office/powerpoint/2010/main" val="9290874"/>
       </p:ext>
     </p:extLst>
   </p:cSld>
@@ -3306,7 +4001,7 @@
         <p:spPr>
           <a:xfrm>
             <a:off x="457200" y="1"/>
-            <a:ext cx="8229600" cy="1412776"/>
+            <a:ext cx="8229600" cy="1196751"/>
           </a:xfrm>
         </p:spPr>
         <p:txBody>
@@ -3314,14 +4009,20 @@
           <a:lstStyle/>
           <a:p>
             <a:r>
-              <a:rPr lang="ru-RU" sz="2800" b="1" dirty="0" smtClean="0"/>
+              <a:rPr lang="ru-RU" sz="2800" dirty="0" smtClean="0">
+                <a:latin typeface="Calibri" pitchFamily="34" charset="0"/>
+              </a:rPr>
               <a:t>Типы элементов </a:t>
             </a:r>
             <a:r>
-              <a:rPr lang="en-US" sz="2800" b="1" dirty="0" smtClean="0"/>
+              <a:rPr lang="en-US" sz="2800" dirty="0" smtClean="0">
+                <a:latin typeface="Calibri" pitchFamily="34" charset="0"/>
+              </a:rPr>
               <a:t>DOM</a:t>
             </a:r>
-            <a:endParaRPr lang="en-US" sz="2800" dirty="0"/>
+            <a:endParaRPr lang="en-US" sz="2800" dirty="0">
+              <a:latin typeface="Calibri" pitchFamily="34" charset="0"/>
+            </a:endParaRPr>
           </a:p>
         </p:txBody>
       </p:sp>
@@ -3340,11 +4041,13 @@
         <a:graphic>
           <a:graphicData uri="http://schemas.openxmlformats.org/drawingml/2006/table">
             <a:tbl>
-              <a:tblPr/>
+              <a:tblPr bandRow="1">
+                <a:tableStyleId>{5DA37D80-6434-44D0-A028-1B22A696006F}</a:tableStyleId>
+              </a:tblPr>
               <a:tblGrid>
                 <a:gridCol w="2304256"/>
-                <a:gridCol w="4104456"/>
-                <a:gridCol w="1800200"/>
+                <a:gridCol w="4392488"/>
+                <a:gridCol w="1512168"/>
               </a:tblGrid>
               <a:tr h="520258">
                 <a:tc>
@@ -3354,32 +4057,15 @@
                     <a:p>
                       <a:pPr algn="ctr"/>
                       <a:r>
-                        <a:rPr lang="uk-UA" sz="1800" b="1" dirty="0" err="1"/>
+                        <a:rPr lang="uk-UA" sz="1800" dirty="0" err="1"/>
                         <a:t>Интерфейс</a:t>
                       </a:r>
-                      <a:endParaRPr lang="uk-UA" dirty="0"/>
+                      <a:endParaRPr lang="uk-UA" sz="1800" dirty="0">
+                        <a:latin typeface="Calibri" pitchFamily="34" charset="0"/>
+                      </a:endParaRPr>
                     </a:p>
                   </a:txBody>
-                  <a:tcPr anchor="ctr">
-                    <a:lnL>
-                      <a:noFill/>
-                    </a:lnL>
-                    <a:lnR>
-                      <a:noFill/>
-                    </a:lnR>
-                    <a:lnT>
-                      <a:noFill/>
-                    </a:lnT>
-                    <a:lnB>
-                      <a:noFill/>
-                    </a:lnB>
-                    <a:solidFill>
-                      <a:schemeClr val="accent1">
-                        <a:lumMod val="40000"/>
-                        <a:lumOff val="60000"/>
-                      </a:schemeClr>
-                    </a:solidFill>
-                  </a:tcPr>
+                  <a:tcPr anchor="ctr"/>
                 </a:tc>
                 <a:tc>
                   <a:txBody>
@@ -3388,32 +4074,15 @@
                     <a:p>
                       <a:pPr algn="ctr"/>
                       <a:r>
-                        <a:rPr lang="uk-UA" sz="1800" b="1" dirty="0"/>
+                        <a:rPr lang="uk-UA" sz="1800" dirty="0"/>
                         <a:t>Константа</a:t>
                       </a:r>
-                      <a:endParaRPr lang="uk-UA" dirty="0"/>
+                      <a:endParaRPr lang="uk-UA" sz="1800" dirty="0">
+                        <a:latin typeface="Calibri" pitchFamily="34" charset="0"/>
+                      </a:endParaRPr>
                     </a:p>
                   </a:txBody>
-                  <a:tcPr anchor="ctr">
-                    <a:lnL>
-                      <a:noFill/>
-                    </a:lnL>
-                    <a:lnR>
-                      <a:noFill/>
-                    </a:lnR>
-                    <a:lnT>
-                      <a:noFill/>
-                    </a:lnT>
-                    <a:lnB>
-                      <a:noFill/>
-                    </a:lnB>
-                    <a:solidFill>
-                      <a:schemeClr val="accent1">
-                        <a:lumMod val="40000"/>
-                        <a:lumOff val="60000"/>
-                      </a:schemeClr>
-                    </a:solidFill>
-                  </a:tcPr>
+                  <a:tcPr anchor="ctr"/>
                 </a:tc>
                 <a:tc>
                   <a:txBody>
@@ -3422,40 +4091,23 @@
                     <a:p>
                       <a:pPr algn="ctr"/>
                       <a:r>
-                        <a:rPr lang="uk-UA" sz="1800" b="1" dirty="0" err="1"/>
+                        <a:rPr lang="uk-UA" sz="1800" dirty="0" err="1"/>
                         <a:t>Значение</a:t>
                       </a:r>
                       <a:r>
-                        <a:rPr lang="uk-UA" sz="1800" b="1" dirty="0"/>
+                        <a:rPr lang="uk-UA" sz="1800" dirty="0"/>
                         <a:t> </a:t>
                       </a:r>
                       <a:r>
-                        <a:rPr lang="en-US" sz="1800" b="1" dirty="0" err="1"/>
+                        <a:rPr lang="en-US" sz="1800" dirty="0" err="1"/>
                         <a:t>nodeType</a:t>
                       </a:r>
-                      <a:endParaRPr lang="en-US" dirty="0"/>
+                      <a:endParaRPr lang="en-US" sz="1800" dirty="0">
+                        <a:latin typeface="Calibri" pitchFamily="34" charset="0"/>
+                      </a:endParaRPr>
                     </a:p>
                   </a:txBody>
-                  <a:tcPr anchor="ctr">
-                    <a:lnL>
-                      <a:noFill/>
-                    </a:lnL>
-                    <a:lnR>
-                      <a:noFill/>
-                    </a:lnR>
-                    <a:lnT>
-                      <a:noFill/>
-                    </a:lnT>
-                    <a:lnB>
-                      <a:noFill/>
-                    </a:lnB>
-                    <a:solidFill>
-                      <a:schemeClr val="accent1">
-                        <a:lumMod val="40000"/>
-                        <a:lumOff val="60000"/>
-                      </a:schemeClr>
-                    </a:solidFill>
-                  </a:tcPr>
+                  <a:tcPr anchor="ctr"/>
                 </a:tc>
               </a:tr>
               <a:tr h="520258">
@@ -3464,102 +4116,51 @@
                     <a:bodyPr/>
                     <a:lstStyle/>
                     <a:p>
-                      <a:pPr algn="ctr"/>
+                      <a:pPr algn="l"/>
                       <a:r>
-                        <a:rPr lang="en-US" sz="1800"/>
+                        <a:rPr lang="en-US" sz="1800" dirty="0"/>
                         <a:t>Element</a:t>
                       </a:r>
-                      <a:endParaRPr lang="en-US"/>
+                      <a:endParaRPr lang="en-US" sz="1800" dirty="0">
+                        <a:latin typeface="Calibri" pitchFamily="34" charset="0"/>
+                      </a:endParaRPr>
                     </a:p>
                   </a:txBody>
-                  <a:tcPr anchor="ctr">
-                    <a:lnL>
-                      <a:noFill/>
-                    </a:lnL>
-                    <a:lnR>
-                      <a:noFill/>
-                    </a:lnR>
-                    <a:lnT>
-                      <a:noFill/>
-                    </a:lnT>
-                    <a:lnB>
-                      <a:noFill/>
-                    </a:lnB>
-                    <a:solidFill>
-                      <a:schemeClr val="accent1">
-                        <a:lumMod val="60000"/>
-                        <a:lumOff val="40000"/>
-                      </a:schemeClr>
-                    </a:solidFill>
-                  </a:tcPr>
+                  <a:tcPr anchor="ctr"/>
                 </a:tc>
                 <a:tc>
                   <a:txBody>
                     <a:bodyPr/>
                     <a:lstStyle/>
                     <a:p>
-                      <a:pPr algn="ctr"/>
+                      <a:pPr algn="l"/>
                       <a:r>
                         <a:rPr lang="en-US" sz="1800" dirty="0" err="1"/>
                         <a:t>Node.ELEMENT_NODE</a:t>
                       </a:r>
-                      <a:endParaRPr lang="en-US" dirty="0"/>
+                      <a:endParaRPr lang="en-US" sz="1800" dirty="0">
+                        <a:latin typeface="Calibri" pitchFamily="34" charset="0"/>
+                      </a:endParaRPr>
                     </a:p>
                   </a:txBody>
-                  <a:tcPr anchor="ctr">
-                    <a:lnL>
-                      <a:noFill/>
-                    </a:lnL>
-                    <a:lnR>
-                      <a:noFill/>
-                    </a:lnR>
-                    <a:lnT>
-                      <a:noFill/>
-                    </a:lnT>
-                    <a:lnB>
-                      <a:noFill/>
-                    </a:lnB>
-                    <a:solidFill>
-                      <a:schemeClr val="accent1">
-                        <a:lumMod val="60000"/>
-                        <a:lumOff val="40000"/>
-                      </a:schemeClr>
-                    </a:solidFill>
-                  </a:tcPr>
+                  <a:tcPr anchor="ctr"/>
                 </a:tc>
                 <a:tc>
                   <a:txBody>
                     <a:bodyPr/>
                     <a:lstStyle/>
                     <a:p>
-                      <a:pPr algn="ctr"/>
+                      <a:pPr algn="l"/>
                       <a:r>
                         <a:rPr lang="en-US" sz="1800" dirty="0"/>
                         <a:t>1</a:t>
                       </a:r>
-                      <a:endParaRPr lang="en-US" dirty="0"/>
+                      <a:endParaRPr lang="en-US" sz="1800" dirty="0">
+                        <a:latin typeface="Calibri" pitchFamily="34" charset="0"/>
+                      </a:endParaRPr>
                     </a:p>
                   </a:txBody>
-                  <a:tcPr anchor="ctr">
-                    <a:lnL>
-                      <a:noFill/>
-                    </a:lnL>
-                    <a:lnR>
-                      <a:noFill/>
-                    </a:lnR>
-                    <a:lnT>
-                      <a:noFill/>
-                    </a:lnT>
-                    <a:lnB>
-                      <a:noFill/>
-                    </a:lnB>
-                    <a:solidFill>
-                      <a:schemeClr val="accent1">
-                        <a:lumMod val="60000"/>
-                        <a:lumOff val="40000"/>
-                      </a:schemeClr>
-                    </a:solidFill>
-                  </a:tcPr>
+                  <a:tcPr anchor="ctr"/>
                 </a:tc>
               </a:tr>
               <a:tr h="520258">
@@ -3568,102 +4169,51 @@
                     <a:bodyPr/>
                     <a:lstStyle/>
                     <a:p>
-                      <a:pPr algn="ctr"/>
+                      <a:pPr algn="l"/>
                       <a:r>
                         <a:rPr lang="en-US" sz="1800" dirty="0"/>
                         <a:t>Text</a:t>
                       </a:r>
-                      <a:endParaRPr lang="en-US" dirty="0"/>
+                      <a:endParaRPr lang="en-US" sz="1800" dirty="0">
+                        <a:latin typeface="Calibri" pitchFamily="34" charset="0"/>
+                      </a:endParaRPr>
                     </a:p>
                   </a:txBody>
-                  <a:tcPr anchor="ctr">
-                    <a:lnL>
-                      <a:noFill/>
-                    </a:lnL>
-                    <a:lnR>
-                      <a:noFill/>
-                    </a:lnR>
-                    <a:lnT>
-                      <a:noFill/>
-                    </a:lnT>
-                    <a:lnB>
-                      <a:noFill/>
-                    </a:lnB>
-                    <a:solidFill>
-                      <a:schemeClr val="accent1">
-                        <a:lumMod val="40000"/>
-                        <a:lumOff val="60000"/>
-                      </a:schemeClr>
-                    </a:solidFill>
-                  </a:tcPr>
+                  <a:tcPr anchor="ctr"/>
                 </a:tc>
                 <a:tc>
                   <a:txBody>
                     <a:bodyPr/>
                     <a:lstStyle/>
                     <a:p>
-                      <a:pPr algn="ctr"/>
+                      <a:pPr algn="l"/>
                       <a:r>
                         <a:rPr lang="en-US" sz="1800" dirty="0" err="1"/>
                         <a:t>Node.TEXT_NODE</a:t>
                       </a:r>
-                      <a:endParaRPr lang="en-US" dirty="0"/>
+                      <a:endParaRPr lang="en-US" sz="1800" dirty="0">
+                        <a:latin typeface="Calibri" pitchFamily="34" charset="0"/>
+                      </a:endParaRPr>
                     </a:p>
                   </a:txBody>
-                  <a:tcPr anchor="ctr">
-                    <a:lnL>
-                      <a:noFill/>
-                    </a:lnL>
-                    <a:lnR>
-                      <a:noFill/>
-                    </a:lnR>
-                    <a:lnT>
-                      <a:noFill/>
-                    </a:lnT>
-                    <a:lnB>
-                      <a:noFill/>
-                    </a:lnB>
-                    <a:solidFill>
-                      <a:schemeClr val="accent1">
-                        <a:lumMod val="40000"/>
-                        <a:lumOff val="60000"/>
-                      </a:schemeClr>
-                    </a:solidFill>
-                  </a:tcPr>
+                  <a:tcPr anchor="ctr"/>
                 </a:tc>
                 <a:tc>
                   <a:txBody>
                     <a:bodyPr/>
                     <a:lstStyle/>
                     <a:p>
-                      <a:pPr algn="ctr"/>
+                      <a:pPr algn="l"/>
                       <a:r>
                         <a:rPr lang="en-US" sz="1800" dirty="0"/>
                         <a:t>3</a:t>
                       </a:r>
-                      <a:endParaRPr lang="en-US" dirty="0"/>
+                      <a:endParaRPr lang="en-US" sz="1800" dirty="0">
+                        <a:latin typeface="Calibri" pitchFamily="34" charset="0"/>
+                      </a:endParaRPr>
                     </a:p>
                   </a:txBody>
-                  <a:tcPr anchor="ctr">
-                    <a:lnL>
-                      <a:noFill/>
-                    </a:lnL>
-                    <a:lnR>
-                      <a:noFill/>
-                    </a:lnR>
-                    <a:lnT>
-                      <a:noFill/>
-                    </a:lnT>
-                    <a:lnB>
-                      <a:noFill/>
-                    </a:lnB>
-                    <a:solidFill>
-                      <a:schemeClr val="accent1">
-                        <a:lumMod val="40000"/>
-                        <a:lumOff val="60000"/>
-                      </a:schemeClr>
-                    </a:solidFill>
-                  </a:tcPr>
+                  <a:tcPr anchor="ctr"/>
                 </a:tc>
               </a:tr>
               <a:tr h="520710">
@@ -3672,102 +4222,51 @@
                     <a:bodyPr/>
                     <a:lstStyle/>
                     <a:p>
-                      <a:pPr algn="ctr"/>
+                      <a:pPr algn="l"/>
                       <a:r>
-                        <a:rPr lang="en-US" sz="1802"/>
+                        <a:rPr lang="en-US" sz="1800"/>
                         <a:t>Document</a:t>
                       </a:r>
-                      <a:endParaRPr lang="en-US"/>
+                      <a:endParaRPr lang="en-US" sz="1800">
+                        <a:latin typeface="Calibri" pitchFamily="34" charset="0"/>
+                      </a:endParaRPr>
                     </a:p>
                   </a:txBody>
-                  <a:tcPr anchor="ctr">
-                    <a:lnL>
-                      <a:noFill/>
-                    </a:lnL>
-                    <a:lnR>
-                      <a:noFill/>
-                    </a:lnR>
-                    <a:lnT>
-                      <a:noFill/>
-                    </a:lnT>
-                    <a:lnB>
-                      <a:noFill/>
-                    </a:lnB>
-                    <a:solidFill>
-                      <a:schemeClr val="accent1">
-                        <a:lumMod val="60000"/>
-                        <a:lumOff val="40000"/>
-                      </a:schemeClr>
-                    </a:solidFill>
-                  </a:tcPr>
+                  <a:tcPr anchor="ctr"/>
                 </a:tc>
                 <a:tc>
                   <a:txBody>
                     <a:bodyPr/>
                     <a:lstStyle/>
                     <a:p>
-                      <a:pPr algn="ctr"/>
+                      <a:pPr algn="l"/>
                       <a:r>
-                        <a:rPr lang="en-US" sz="1802" dirty="0" err="1"/>
+                        <a:rPr lang="en-US" sz="1800" dirty="0" err="1"/>
                         <a:t>Node.DOCUMENT_NODE</a:t>
                       </a:r>
-                      <a:endParaRPr lang="en-US" dirty="0"/>
+                      <a:endParaRPr lang="en-US" sz="1800" dirty="0">
+                        <a:latin typeface="Calibri" pitchFamily="34" charset="0"/>
+                      </a:endParaRPr>
                     </a:p>
                   </a:txBody>
-                  <a:tcPr anchor="ctr">
-                    <a:lnL>
-                      <a:noFill/>
-                    </a:lnL>
-                    <a:lnR>
-                      <a:noFill/>
-                    </a:lnR>
-                    <a:lnT>
-                      <a:noFill/>
-                    </a:lnT>
-                    <a:lnB>
-                      <a:noFill/>
-                    </a:lnB>
-                    <a:solidFill>
-                      <a:schemeClr val="accent1">
-                        <a:lumMod val="60000"/>
-                        <a:lumOff val="40000"/>
-                      </a:schemeClr>
-                    </a:solidFill>
-                  </a:tcPr>
+                  <a:tcPr anchor="ctr"/>
                 </a:tc>
                 <a:tc>
                   <a:txBody>
                     <a:bodyPr/>
                     <a:lstStyle/>
                     <a:p>
-                      <a:pPr algn="ctr"/>
+                      <a:pPr algn="l"/>
                       <a:r>
-                        <a:rPr lang="en-US" sz="1802"/>
+                        <a:rPr lang="en-US" sz="1800"/>
                         <a:t>9</a:t>
                       </a:r>
-                      <a:endParaRPr lang="en-US"/>
+                      <a:endParaRPr lang="en-US" sz="1800">
+                        <a:latin typeface="Calibri" pitchFamily="34" charset="0"/>
+                      </a:endParaRPr>
                     </a:p>
                   </a:txBody>
-                  <a:tcPr anchor="ctr">
-                    <a:lnL>
-                      <a:noFill/>
-                    </a:lnL>
-                    <a:lnR>
-                      <a:noFill/>
-                    </a:lnR>
-                    <a:lnT>
-                      <a:noFill/>
-                    </a:lnT>
-                    <a:lnB>
-                      <a:noFill/>
-                    </a:lnB>
-                    <a:solidFill>
-                      <a:schemeClr val="accent1">
-                        <a:lumMod val="60000"/>
-                        <a:lumOff val="40000"/>
-                      </a:schemeClr>
-                    </a:solidFill>
-                  </a:tcPr>
+                  <a:tcPr anchor="ctr"/>
                 </a:tc>
               </a:tr>
               <a:tr h="520258">
@@ -3776,102 +4275,51 @@
                     <a:bodyPr/>
                     <a:lstStyle/>
                     <a:p>
-                      <a:pPr algn="ctr"/>
+                      <a:pPr algn="l"/>
                       <a:r>
                         <a:rPr lang="en-US" sz="1800"/>
                         <a:t>Comment</a:t>
                       </a:r>
-                      <a:endParaRPr lang="en-US"/>
+                      <a:endParaRPr lang="en-US" sz="1800">
+                        <a:latin typeface="Calibri" pitchFamily="34" charset="0"/>
+                      </a:endParaRPr>
                     </a:p>
                   </a:txBody>
-                  <a:tcPr anchor="ctr">
-                    <a:lnL>
-                      <a:noFill/>
-                    </a:lnL>
-                    <a:lnR>
-                      <a:noFill/>
-                    </a:lnR>
-                    <a:lnT>
-                      <a:noFill/>
-                    </a:lnT>
-                    <a:lnB>
-                      <a:noFill/>
-                    </a:lnB>
-                    <a:solidFill>
-                      <a:schemeClr val="accent1">
-                        <a:lumMod val="40000"/>
-                        <a:lumOff val="60000"/>
-                      </a:schemeClr>
-                    </a:solidFill>
-                  </a:tcPr>
+                  <a:tcPr anchor="ctr"/>
                 </a:tc>
                 <a:tc>
                   <a:txBody>
                     <a:bodyPr/>
                     <a:lstStyle/>
                     <a:p>
-                      <a:pPr algn="ctr"/>
+                      <a:pPr algn="l"/>
                       <a:r>
                         <a:rPr lang="en-US" sz="1800" dirty="0" err="1"/>
                         <a:t>Node.COMMENT_NODE</a:t>
                       </a:r>
-                      <a:endParaRPr lang="en-US" dirty="0"/>
+                      <a:endParaRPr lang="en-US" sz="1800" dirty="0">
+                        <a:latin typeface="Calibri" pitchFamily="34" charset="0"/>
+                      </a:endParaRPr>
                     </a:p>
                   </a:txBody>
-                  <a:tcPr anchor="ctr">
-                    <a:lnL>
-                      <a:noFill/>
-                    </a:lnL>
-                    <a:lnR>
-                      <a:noFill/>
-                    </a:lnR>
-                    <a:lnT>
-                      <a:noFill/>
-                    </a:lnT>
-                    <a:lnB>
-                      <a:noFill/>
-                    </a:lnB>
-                    <a:solidFill>
-                      <a:schemeClr val="accent1">
-                        <a:lumMod val="40000"/>
-                        <a:lumOff val="60000"/>
-                      </a:schemeClr>
-                    </a:solidFill>
-                  </a:tcPr>
+                  <a:tcPr anchor="ctr"/>
                 </a:tc>
                 <a:tc>
                   <a:txBody>
                     <a:bodyPr/>
                     <a:lstStyle/>
                     <a:p>
-                      <a:pPr algn="ctr"/>
+                      <a:pPr algn="l"/>
                       <a:r>
                         <a:rPr lang="en-US" sz="1800" dirty="0"/>
                         <a:t>8</a:t>
                       </a:r>
-                      <a:endParaRPr lang="en-US" dirty="0"/>
+                      <a:endParaRPr lang="en-US" sz="1800" dirty="0">
+                        <a:latin typeface="Calibri" pitchFamily="34" charset="0"/>
+                      </a:endParaRPr>
                     </a:p>
                   </a:txBody>
-                  <a:tcPr anchor="ctr">
-                    <a:lnL>
-                      <a:noFill/>
-                    </a:lnL>
-                    <a:lnR>
-                      <a:noFill/>
-                    </a:lnR>
-                    <a:lnT>
-                      <a:noFill/>
-                    </a:lnT>
-                    <a:lnB>
-                      <a:noFill/>
-                    </a:lnB>
-                    <a:solidFill>
-                      <a:schemeClr val="accent1">
-                        <a:lumMod val="40000"/>
-                        <a:lumOff val="60000"/>
-                      </a:schemeClr>
-                    </a:solidFill>
-                  </a:tcPr>
+                  <a:tcPr anchor="ctr"/>
                 </a:tc>
               </a:tr>
               <a:tr h="910451">
@@ -3880,102 +4328,51 @@
                     <a:bodyPr/>
                     <a:lstStyle/>
                     <a:p>
-                      <a:pPr algn="ctr"/>
+                      <a:pPr algn="l"/>
                       <a:r>
                         <a:rPr lang="en-US" sz="1800"/>
                         <a:t>DocumentFragment</a:t>
                       </a:r>
-                      <a:endParaRPr lang="en-US"/>
+                      <a:endParaRPr lang="en-US" sz="1800">
+                        <a:latin typeface="Calibri" pitchFamily="34" charset="0"/>
+                      </a:endParaRPr>
                     </a:p>
                   </a:txBody>
-                  <a:tcPr anchor="ctr">
-                    <a:lnL>
-                      <a:noFill/>
-                    </a:lnL>
-                    <a:lnR>
-                      <a:noFill/>
-                    </a:lnR>
-                    <a:lnT>
-                      <a:noFill/>
-                    </a:lnT>
-                    <a:lnB>
-                      <a:noFill/>
-                    </a:lnB>
-                    <a:solidFill>
-                      <a:schemeClr val="accent1">
-                        <a:lumMod val="60000"/>
-                        <a:lumOff val="40000"/>
-                      </a:schemeClr>
-                    </a:solidFill>
-                  </a:tcPr>
+                  <a:tcPr anchor="ctr"/>
                 </a:tc>
                 <a:tc>
                   <a:txBody>
                     <a:bodyPr/>
                     <a:lstStyle/>
                     <a:p>
-                      <a:pPr algn="ctr"/>
+                      <a:pPr algn="l"/>
                       <a:r>
                         <a:rPr lang="en-US" sz="1800" dirty="0" err="1"/>
                         <a:t>Node.DOCUMENT_FRAGMENT_NODE</a:t>
                       </a:r>
-                      <a:endParaRPr lang="en-US" dirty="0"/>
+                      <a:endParaRPr lang="en-US" sz="1800" dirty="0">
+                        <a:latin typeface="Calibri" pitchFamily="34" charset="0"/>
+                      </a:endParaRPr>
                     </a:p>
                   </a:txBody>
-                  <a:tcPr anchor="ctr">
-                    <a:lnL>
-                      <a:noFill/>
-                    </a:lnL>
-                    <a:lnR>
-                      <a:noFill/>
-                    </a:lnR>
-                    <a:lnT>
-                      <a:noFill/>
-                    </a:lnT>
-                    <a:lnB>
-                      <a:noFill/>
-                    </a:lnB>
-                    <a:solidFill>
-                      <a:schemeClr val="accent1">
-                        <a:lumMod val="60000"/>
-                        <a:lumOff val="40000"/>
-                      </a:schemeClr>
-                    </a:solidFill>
-                  </a:tcPr>
+                  <a:tcPr anchor="ctr"/>
                 </a:tc>
                 <a:tc>
                   <a:txBody>
                     <a:bodyPr/>
                     <a:lstStyle/>
                     <a:p>
-                      <a:pPr algn="ctr"/>
+                      <a:pPr algn="l"/>
                       <a:r>
                         <a:rPr lang="en-US" sz="1800" dirty="0"/>
                         <a:t>11</a:t>
                       </a:r>
-                      <a:endParaRPr lang="en-US" dirty="0"/>
+                      <a:endParaRPr lang="en-US" sz="1800" dirty="0">
+                        <a:latin typeface="Calibri" pitchFamily="34" charset="0"/>
+                      </a:endParaRPr>
                     </a:p>
                   </a:txBody>
-                  <a:tcPr anchor="ctr">
-                    <a:lnL>
-                      <a:noFill/>
-                    </a:lnL>
-                    <a:lnR>
-                      <a:noFill/>
-                    </a:lnR>
-                    <a:lnT>
-                      <a:noFill/>
-                    </a:lnT>
-                    <a:lnB>
-                      <a:noFill/>
-                    </a:lnB>
-                    <a:solidFill>
-                      <a:schemeClr val="accent1">
-                        <a:lumMod val="60000"/>
-                        <a:lumOff val="40000"/>
-                      </a:schemeClr>
-                    </a:solidFill>
-                  </a:tcPr>
+                  <a:tcPr anchor="ctr"/>
                 </a:tc>
               </a:tr>
               <a:tr h="520258">
@@ -3984,96 +4381,51 @@
                     <a:bodyPr/>
                     <a:lstStyle/>
                     <a:p>
-                      <a:pPr algn="ctr"/>
+                      <a:pPr algn="l"/>
                       <a:r>
                         <a:rPr lang="en-US" sz="1800"/>
                         <a:t>Attr</a:t>
                       </a:r>
-                      <a:endParaRPr lang="en-US"/>
+                      <a:endParaRPr lang="en-US" sz="1800">
+                        <a:latin typeface="Calibri" pitchFamily="34" charset="0"/>
+                      </a:endParaRPr>
                     </a:p>
                   </a:txBody>
-                  <a:tcPr anchor="ctr">
-                    <a:lnL>
-                      <a:noFill/>
-                    </a:lnL>
-                    <a:lnR>
-                      <a:noFill/>
-                    </a:lnR>
-                    <a:lnT>
-                      <a:noFill/>
-                    </a:lnT>
-                    <a:lnB>
-                      <a:noFill/>
-                    </a:lnB>
-                    <a:solidFill>
-                      <a:schemeClr val="accent1">
-                        <a:lumMod val="40000"/>
-                        <a:lumOff val="60000"/>
-                      </a:schemeClr>
-                    </a:solidFill>
-                  </a:tcPr>
+                  <a:tcPr anchor="ctr"/>
                 </a:tc>
                 <a:tc>
                   <a:txBody>
                     <a:bodyPr/>
                     <a:lstStyle/>
                     <a:p>
-                      <a:pPr algn="ctr"/>
+                      <a:pPr algn="l"/>
                       <a:r>
                         <a:rPr lang="en-US" sz="1800" dirty="0" err="1" smtClean="0"/>
                         <a:t>Node.ATTRIBUTE_NODE</a:t>
                       </a:r>
-                      <a:endParaRPr lang="en-US" dirty="0"/>
+                      <a:endParaRPr lang="en-US" sz="1800" dirty="0">
+                        <a:latin typeface="Calibri" pitchFamily="34" charset="0"/>
+                      </a:endParaRPr>
                     </a:p>
                   </a:txBody>
-                  <a:tcPr anchor="ctr">
-                    <a:lnL>
-                      <a:noFill/>
-                    </a:lnL>
-                    <a:lnR>
-                      <a:noFill/>
-                    </a:lnR>
-                    <a:lnT>
-                      <a:noFill/>
-                    </a:lnT>
-                    <a:lnB>
-                      <a:noFill/>
-                    </a:lnB>
-                    <a:solidFill>
-                      <a:schemeClr val="accent1">
-                        <a:lumMod val="40000"/>
-                        <a:lumOff val="60000"/>
-                      </a:schemeClr>
-                    </a:solidFill>
-                  </a:tcPr>
+                  <a:tcPr anchor="ctr"/>
                 </a:tc>
                 <a:tc>
                   <a:txBody>
                     <a:bodyPr/>
                     <a:lstStyle/>
                     <a:p>
-                      <a:pPr algn="ctr"/>
+                      <a:pPr algn="l"/>
                       <a:r>
-                        <a:rPr lang="en-US" dirty="0" smtClean="0"/>
+                        <a:rPr lang="en-US" sz="1800" dirty="0" smtClean="0"/>
                         <a:t>2</a:t>
                       </a:r>
-                      <a:endParaRPr lang="en-US" dirty="0"/>
+                      <a:endParaRPr lang="en-US" sz="1800" dirty="0">
+                        <a:latin typeface="Calibri" pitchFamily="34" charset="0"/>
+                      </a:endParaRPr>
                     </a:p>
                   </a:txBody>
-                  <a:tcPr>
-                    <a:lnL>
-                      <a:noFill/>
-                    </a:lnL>
-                    <a:lnT>
-                      <a:noFill/>
-                    </a:lnT>
-                    <a:solidFill>
-                      <a:schemeClr val="accent1">
-                        <a:lumMod val="40000"/>
-                        <a:lumOff val="60000"/>
-                      </a:schemeClr>
-                    </a:solidFill>
-                  </a:tcPr>
+                  <a:tcPr/>
                 </a:tc>
               </a:tr>
             </a:tbl>
@@ -4083,7 +4435,7 @@
     </p:spTree>
     <p:extLst>
       <p:ext uri="{BB962C8B-B14F-4D97-AF65-F5344CB8AC3E}">
-        <p14:creationId xmlns:p14="http://schemas.microsoft.com/office/powerpoint/2010/main" xmlns="" val="9290874"/>
+        <p14:creationId xmlns="" xmlns:p14="http://schemas.microsoft.com/office/powerpoint/2010/main" val="9290874"/>
       </p:ext>
     </p:extLst>
   </p:cSld>
@@ -4129,7 +4481,7 @@
         </p:nvSpPr>
         <p:spPr>
           <a:xfrm>
-            <a:off x="457200" y="279401"/>
+            <a:off x="467544" y="188640"/>
             <a:ext cx="8229600" cy="845343"/>
           </a:xfrm>
         </p:spPr>
@@ -4138,14 +4490,20 @@
           <a:lstStyle/>
           <a:p>
             <a:r>
-              <a:rPr lang="ru-RU" sz="3200" b="1" dirty="0" smtClean="0"/>
+              <a:rPr lang="ru-RU" sz="2800" dirty="0" smtClean="0">
+                <a:latin typeface="Calibri" pitchFamily="34" charset="0"/>
+              </a:rPr>
               <a:t>Работа с </a:t>
             </a:r>
             <a:r>
-              <a:rPr lang="en-US" sz="3200" b="1" dirty="0" smtClean="0"/>
+              <a:rPr lang="en-US" sz="2800" dirty="0" smtClean="0">
+                <a:latin typeface="Calibri" pitchFamily="34" charset="0"/>
+              </a:rPr>
               <a:t>DOM</a:t>
             </a:r>
-            <a:endParaRPr lang="en-US" sz="3200" b="1" dirty="0"/>
+            <a:endParaRPr lang="en-US" sz="2800" dirty="0">
+              <a:latin typeface="Calibri" pitchFamily="34" charset="0"/>
+            </a:endParaRPr>
           </a:p>
         </p:txBody>
       </p:sp>
@@ -4158,7 +4516,7 @@
         <p:spPr>
           <a:xfrm>
             <a:off x="899592" y="1340768"/>
-            <a:ext cx="7200800" cy="584775"/>
+            <a:ext cx="7200800" cy="461665"/>
           </a:xfrm>
           <a:prstGeom prst="rect">
             <a:avLst/>
@@ -4173,10 +4531,14 @@
           <a:p>
             <a:pPr algn="ctr"/>
             <a:r>
-              <a:rPr lang="ru-RU" sz="3200" dirty="0" smtClean="0"/>
+              <a:rPr lang="ru-RU" sz="2400" dirty="0" smtClean="0">
+                <a:latin typeface="Calibri" pitchFamily="34" charset="0"/>
+              </a:rPr>
               <a:t>Свойства и методы</a:t>
             </a:r>
-            <a:endParaRPr lang="en-US" sz="3200" dirty="0"/>
+            <a:endParaRPr lang="en-US" sz="2400" dirty="0">
+              <a:latin typeface="Calibri" pitchFamily="34" charset="0"/>
+            </a:endParaRPr>
           </a:p>
         </p:txBody>
       </p:sp>
@@ -4188,8 +4550,8 @@
         </p:nvSpPr>
         <p:spPr>
           <a:xfrm>
-            <a:off x="683568" y="2348880"/>
-            <a:ext cx="3168352" cy="3385542"/>
+            <a:off x="1835696" y="2276872"/>
+            <a:ext cx="3168352" cy="3046988"/>
           </a:xfrm>
           <a:prstGeom prst="rect">
             <a:avLst/>
@@ -4203,58 +4565,88 @@
           <a:lstStyle/>
           <a:p>
             <a:r>
-              <a:rPr lang="en-US" sz="2800" b="1" dirty="0" err="1" smtClean="0"/>
+              <a:rPr lang="en-US" sz="2400" b="1" dirty="0" err="1" smtClean="0">
+                <a:latin typeface="Calibri" pitchFamily="34" charset="0"/>
+              </a:rPr>
               <a:t>Свойства</a:t>
             </a:r>
             <a:r>
-              <a:rPr lang="en-US" sz="2800" b="1" dirty="0" smtClean="0"/>
+              <a:rPr lang="en-US" sz="2400" b="1" dirty="0" smtClean="0">
+                <a:latin typeface="Calibri" pitchFamily="34" charset="0"/>
+              </a:rPr>
               <a:t>:</a:t>
             </a:r>
           </a:p>
           <a:p>
             <a:r>
-              <a:rPr lang="en-US" sz="2800" dirty="0" err="1" smtClean="0"/>
+              <a:rPr lang="en-US" sz="2400" dirty="0" err="1" smtClean="0">
+                <a:latin typeface="Calibri" pitchFamily="34" charset="0"/>
+              </a:rPr>
               <a:t>childNodes</a:t>
             </a:r>
-            <a:endParaRPr lang="en-US" sz="2800" dirty="0" smtClean="0"/>
-          </a:p>
-          <a:p>
-            <a:r>
-              <a:rPr lang="en-US" sz="2800" dirty="0" err="1" smtClean="0"/>
+            <a:endParaRPr lang="en-US" sz="2400" dirty="0" smtClean="0">
+              <a:latin typeface="Calibri" pitchFamily="34" charset="0"/>
+            </a:endParaRPr>
+          </a:p>
+          <a:p>
+            <a:r>
+              <a:rPr lang="en-US" sz="2400" dirty="0" err="1" smtClean="0">
+                <a:latin typeface="Calibri" pitchFamily="34" charset="0"/>
+              </a:rPr>
               <a:t>firstChild</a:t>
             </a:r>
-            <a:endParaRPr lang="en-US" sz="2800" dirty="0" smtClean="0"/>
-          </a:p>
-          <a:p>
-            <a:r>
-              <a:rPr lang="en-US" sz="2800" dirty="0" err="1" smtClean="0"/>
+            <a:endParaRPr lang="en-US" sz="2400" dirty="0" smtClean="0">
+              <a:latin typeface="Calibri" pitchFamily="34" charset="0"/>
+            </a:endParaRPr>
+          </a:p>
+          <a:p>
+            <a:r>
+              <a:rPr lang="en-US" sz="2400" dirty="0" err="1" smtClean="0">
+                <a:latin typeface="Calibri" pitchFamily="34" charset="0"/>
+              </a:rPr>
               <a:t>lastChild</a:t>
             </a:r>
-            <a:endParaRPr lang="en-US" sz="2800" dirty="0" smtClean="0"/>
-          </a:p>
-          <a:p>
-            <a:r>
-              <a:rPr lang="en-US" sz="2800" dirty="0" err="1" smtClean="0"/>
+            <a:endParaRPr lang="en-US" sz="2400" dirty="0" smtClean="0">
+              <a:latin typeface="Calibri" pitchFamily="34" charset="0"/>
+            </a:endParaRPr>
+          </a:p>
+          <a:p>
+            <a:r>
+              <a:rPr lang="en-US" sz="2400" dirty="0" err="1" smtClean="0">
+                <a:latin typeface="Calibri" pitchFamily="34" charset="0"/>
+              </a:rPr>
               <a:t>nextSibling</a:t>
             </a:r>
-            <a:endParaRPr lang="en-US" sz="2800" dirty="0" smtClean="0"/>
-          </a:p>
-          <a:p>
-            <a:r>
-              <a:rPr lang="en-US" sz="2800" dirty="0" err="1" smtClean="0"/>
+            <a:endParaRPr lang="en-US" sz="2400" dirty="0" smtClean="0">
+              <a:latin typeface="Calibri" pitchFamily="34" charset="0"/>
+            </a:endParaRPr>
+          </a:p>
+          <a:p>
+            <a:r>
+              <a:rPr lang="en-US" sz="2400" dirty="0" err="1" smtClean="0">
+                <a:latin typeface="Calibri" pitchFamily="34" charset="0"/>
+              </a:rPr>
               <a:t>previousSibling</a:t>
             </a:r>
-            <a:endParaRPr lang="en-US" sz="2800" dirty="0" smtClean="0"/>
-          </a:p>
-          <a:p>
-            <a:r>
-              <a:rPr lang="en-US" sz="2800" dirty="0" err="1" smtClean="0"/>
+            <a:endParaRPr lang="en-US" sz="2400" dirty="0" smtClean="0">
+              <a:latin typeface="Calibri" pitchFamily="34" charset="0"/>
+            </a:endParaRPr>
+          </a:p>
+          <a:p>
+            <a:r>
+              <a:rPr lang="en-US" sz="2400" dirty="0" err="1" smtClean="0">
+                <a:latin typeface="Calibri" pitchFamily="34" charset="0"/>
+              </a:rPr>
               <a:t>parentNode</a:t>
             </a:r>
-            <a:endParaRPr lang="en-US" sz="2800" dirty="0" smtClean="0"/>
-          </a:p>
-          <a:p>
-            <a:endParaRPr lang="en-US" dirty="0"/>
+            <a:endParaRPr lang="en-US" sz="2400" dirty="0" smtClean="0">
+              <a:latin typeface="Calibri" pitchFamily="34" charset="0"/>
+            </a:endParaRPr>
+          </a:p>
+          <a:p>
+            <a:endParaRPr lang="en-US" sz="2400" dirty="0">
+              <a:latin typeface="Calibri" pitchFamily="34" charset="0"/>
+            </a:endParaRPr>
           </a:p>
         </p:txBody>
       </p:sp>
@@ -4266,8 +4658,8 @@
         </p:nvSpPr>
         <p:spPr>
           <a:xfrm>
-            <a:off x="4644008" y="2348880"/>
-            <a:ext cx="3888432" cy="2523768"/>
+            <a:off x="4860032" y="2276872"/>
+            <a:ext cx="3888432" cy="2308324"/>
           </a:xfrm>
           <a:prstGeom prst="rect">
             <a:avLst/>
@@ -4281,64 +4673,88 @@
           <a:lstStyle/>
           <a:p>
             <a:r>
-              <a:rPr lang="en-US" sz="2800" b="1" dirty="0" err="1" smtClean="0"/>
+              <a:rPr lang="en-US" sz="2400" b="1" dirty="0" err="1" smtClean="0">
+                <a:latin typeface="Calibri" pitchFamily="34" charset="0"/>
+              </a:rPr>
               <a:t>Методы</a:t>
             </a:r>
             <a:r>
-              <a:rPr lang="en-US" sz="2800" b="1" dirty="0" smtClean="0"/>
+              <a:rPr lang="en-US" sz="2400" b="1" dirty="0" smtClean="0">
+                <a:latin typeface="Calibri" pitchFamily="34" charset="0"/>
+              </a:rPr>
               <a:t>:</a:t>
             </a:r>
-            <a:endParaRPr lang="en-US" sz="2800" dirty="0" smtClean="0"/>
-          </a:p>
-          <a:p>
-            <a:r>
-              <a:rPr lang="en-US" sz="2800" dirty="0" err="1" smtClean="0"/>
+            <a:endParaRPr lang="en-US" sz="2400" dirty="0" smtClean="0">
+              <a:latin typeface="Calibri" pitchFamily="34" charset="0"/>
+            </a:endParaRPr>
+          </a:p>
+          <a:p>
+            <a:r>
+              <a:rPr lang="en-US" sz="2400" dirty="0" err="1" smtClean="0">
+                <a:latin typeface="Calibri" pitchFamily="34" charset="0"/>
+              </a:rPr>
               <a:t>appendChild</a:t>
             </a:r>
             <a:r>
-              <a:rPr lang="en-US" sz="2800" dirty="0" smtClean="0"/>
+              <a:rPr lang="en-US" sz="2400" dirty="0" smtClean="0">
+                <a:latin typeface="Calibri" pitchFamily="34" charset="0"/>
+              </a:rPr>
               <a:t>(node)</a:t>
             </a:r>
           </a:p>
           <a:p>
             <a:r>
-              <a:rPr lang="en-US" sz="2800" dirty="0" err="1" smtClean="0"/>
+              <a:rPr lang="en-US" sz="2400" dirty="0" err="1" smtClean="0">
+                <a:latin typeface="Calibri" pitchFamily="34" charset="0"/>
+              </a:rPr>
               <a:t>insertBefore</a:t>
             </a:r>
             <a:r>
-              <a:rPr lang="en-US" sz="2800" dirty="0" smtClean="0"/>
+              <a:rPr lang="en-US" sz="2400" dirty="0" smtClean="0">
+                <a:latin typeface="Calibri" pitchFamily="34" charset="0"/>
+              </a:rPr>
               <a:t>(node, ref)</a:t>
             </a:r>
           </a:p>
           <a:p>
             <a:r>
-              <a:rPr lang="en-US" sz="2800" dirty="0" err="1" smtClean="0"/>
+              <a:rPr lang="en-US" sz="2400" dirty="0" err="1" smtClean="0">
+                <a:latin typeface="Calibri" pitchFamily="34" charset="0"/>
+              </a:rPr>
               <a:t>removeChild</a:t>
             </a:r>
             <a:r>
-              <a:rPr lang="en-US" sz="2800" dirty="0" smtClean="0"/>
+              <a:rPr lang="en-US" sz="2400" dirty="0" smtClean="0">
+                <a:latin typeface="Calibri" pitchFamily="34" charset="0"/>
+              </a:rPr>
               <a:t>(node)</a:t>
             </a:r>
           </a:p>
           <a:p>
             <a:r>
-              <a:rPr lang="en-US" sz="2800" dirty="0" err="1" smtClean="0"/>
+              <a:rPr lang="en-US" sz="2400" dirty="0" err="1" smtClean="0">
+                <a:latin typeface="Calibri" pitchFamily="34" charset="0"/>
+              </a:rPr>
               <a:t>replaceChild</a:t>
             </a:r>
             <a:r>
-              <a:rPr lang="en-US" sz="2800" dirty="0" smtClean="0"/>
+              <a:rPr lang="en-US" sz="2400" dirty="0" smtClean="0">
+                <a:latin typeface="Calibri" pitchFamily="34" charset="0"/>
+              </a:rPr>
               <a:t>(new, old)</a:t>
             </a:r>
           </a:p>
           <a:p>
-            <a:endParaRPr lang="en-US" dirty="0"/>
+            <a:endParaRPr lang="en-US" sz="2400" dirty="0">
+              <a:latin typeface="Calibri" pitchFamily="34" charset="0"/>
+            </a:endParaRPr>
           </a:p>
         </p:txBody>
       </p:sp>
     </p:spTree>
     <p:extLst>
       <p:ext uri="{BB962C8B-B14F-4D97-AF65-F5344CB8AC3E}">
-        <p14:creationId xmlns:p14="http://schemas.microsoft.com/office/powerpoint/2010/main" xmlns="" val="9290874"/>
+        <p14:creationId xmlns="" xmlns:p14="http://schemas.microsoft.com/office/powerpoint/2010/main" val="9290874"/>
       </p:ext>
     </p:extLst>
   </p:cSld>
@@ -4578,4 +4994,287 @@
   <a:objectDefaults/>
   <a:extraClrSchemeLst/>
 </a:theme>
+</file>
+
+<file path=ppt/theme/theme2.xml><?xml version="1.0" encoding="utf-8"?>
+<a:theme xmlns:a="http://schemas.openxmlformats.org/drawingml/2006/main" name="Тема Office">
+  <a:themeElements>
+    <a:clrScheme name="Стандартная">
+      <a:dk1>
+        <a:sysClr val="windowText" lastClr="000000"/>
+      </a:dk1>
+      <a:lt1>
+        <a:sysClr val="window" lastClr="FFFFFF"/>
+      </a:lt1>
+      <a:dk2>
+        <a:srgbClr val="1F497D"/>
+      </a:dk2>
+      <a:lt2>
+        <a:srgbClr val="EEECE1"/>
+      </a:lt2>
+      <a:accent1>
+        <a:srgbClr val="4F81BD"/>
+      </a:accent1>
+      <a:accent2>
+        <a:srgbClr val="C0504D"/>
+      </a:accent2>
+      <a:accent3>
+        <a:srgbClr val="9BBB59"/>
+      </a:accent3>
+      <a:accent4>
+        <a:srgbClr val="8064A2"/>
+      </a:accent4>
+      <a:accent5>
+        <a:srgbClr val="4BACC6"/>
+      </a:accent5>
+      <a:accent6>
+        <a:srgbClr val="F79646"/>
+      </a:accent6>
+      <a:hlink>
+        <a:srgbClr val="0000FF"/>
+      </a:hlink>
+      <a:folHlink>
+        <a:srgbClr val="800080"/>
+      </a:folHlink>
+    </a:clrScheme>
+    <a:fontScheme name="Стандартная">
+      <a:majorFont>
+        <a:latin typeface="Calibri"/>
+        <a:ea typeface=""/>
+        <a:cs typeface=""/>
+        <a:font script="Jpan" typeface="ＭＳ Ｐゴシック"/>
+        <a:font script="Hang" typeface="맑은 고딕"/>
+        <a:font script="Hans" typeface="宋体"/>
+        <a:font script="Hant" typeface="新細明體"/>
+        <a:font script="Arab" typeface="Times New Roman"/>
+        <a:font script="Hebr" typeface="Times New Roman"/>
+        <a:font script="Thai" typeface="Angsana New"/>
+        <a:font script="Ethi" typeface="Nyala"/>
+        <a:font script="Beng" typeface="Vrinda"/>
+        <a:font script="Gujr" typeface="Shruti"/>
+        <a:font script="Khmr" typeface="MoolBoran"/>
+        <a:font script="Knda" typeface="Tunga"/>
+        <a:font script="Guru" typeface="Raavi"/>
+        <a:font script="Cans" typeface="Euphemia"/>
+        <a:font script="Cher" typeface="Plantagenet Cherokee"/>
+        <a:font script="Yiii" typeface="Microsoft Yi Baiti"/>
+        <a:font script="Tibt" typeface="Microsoft Himalaya"/>
+        <a:font script="Thaa" typeface="MV Boli"/>
+        <a:font script="Deva" typeface="Mangal"/>
+        <a:font script="Telu" typeface="Gautami"/>
+        <a:font script="Taml" typeface="Latha"/>
+        <a:font script="Syrc" typeface="Estrangelo Edessa"/>
+        <a:font script="Orya" typeface="Kalinga"/>
+        <a:font script="Mlym" typeface="Kartika"/>
+        <a:font script="Laoo" typeface="DokChampa"/>
+        <a:font script="Sinh" typeface="Iskoola Pota"/>
+        <a:font script="Mong" typeface="Mongolian Baiti"/>
+        <a:font script="Viet" typeface="Times New Roman"/>
+        <a:font script="Uigh" typeface="Microsoft Uighur"/>
+      </a:majorFont>
+      <a:minorFont>
+        <a:latin typeface="Calibri"/>
+        <a:ea typeface=""/>
+        <a:cs typeface=""/>
+        <a:font script="Jpan" typeface="ＭＳ Ｐゴシック"/>
+        <a:font script="Hang" typeface="맑은 고딕"/>
+        <a:font script="Hans" typeface="宋体"/>
+        <a:font script="Hant" typeface="新細明體"/>
+        <a:font script="Arab" typeface="Arial"/>
+        <a:font script="Hebr" typeface="Arial"/>
+        <a:font script="Thai" typeface="Cordia New"/>
+        <a:font script="Ethi" typeface="Nyala"/>
+        <a:font script="Beng" typeface="Vrinda"/>
+        <a:font script="Gujr" typeface="Shruti"/>
+        <a:font script="Khmr" typeface="DaunPenh"/>
+        <a:font script="Knda" typeface="Tunga"/>
+        <a:font script="Guru" typeface="Raavi"/>
+        <a:font script="Cans" typeface="Euphemia"/>
+        <a:font script="Cher" typeface="Plantagenet Cherokee"/>
+        <a:font script="Yiii" typeface="Microsoft Yi Baiti"/>
+        <a:font script="Tibt" typeface="Microsoft Himalaya"/>
+        <a:font script="Thaa" typeface="MV Boli"/>
+        <a:font script="Deva" typeface="Mangal"/>
+        <a:font script="Telu" typeface="Gautami"/>
+        <a:font script="Taml" typeface="Latha"/>
+        <a:font script="Syrc" typeface="Estrangelo Edessa"/>
+        <a:font script="Orya" typeface="Kalinga"/>
+        <a:font script="Mlym" typeface="Kartika"/>
+        <a:font script="Laoo" typeface="DokChampa"/>
+        <a:font script="Sinh" typeface="Iskoola Pota"/>
+        <a:font script="Mong" typeface="Mongolian Baiti"/>
+        <a:font script="Viet" typeface="Arial"/>
+        <a:font script="Uigh" typeface="Microsoft Uighur"/>
+      </a:minorFont>
+    </a:fontScheme>
+    <a:fmtScheme name="Стандартная">
+      <a:fillStyleLst>
+        <a:solidFill>
+          <a:schemeClr val="phClr"/>
+        </a:solidFill>
+        <a:gradFill rotWithShape="1">
+          <a:gsLst>
+            <a:gs pos="0">
+              <a:schemeClr val="phClr">
+                <a:tint val="50000"/>
+                <a:satMod val="300000"/>
+              </a:schemeClr>
+            </a:gs>
+            <a:gs pos="35000">
+              <a:schemeClr val="phClr">
+                <a:tint val="37000"/>
+                <a:satMod val="300000"/>
+              </a:schemeClr>
+            </a:gs>
+            <a:gs pos="100000">
+              <a:schemeClr val="phClr">
+                <a:tint val="15000"/>
+                <a:satMod val="350000"/>
+              </a:schemeClr>
+            </a:gs>
+          </a:gsLst>
+          <a:lin ang="16200000" scaled="1"/>
+        </a:gradFill>
+        <a:gradFill rotWithShape="1">
+          <a:gsLst>
+            <a:gs pos="0">
+              <a:schemeClr val="phClr">
+                <a:shade val="51000"/>
+                <a:satMod val="130000"/>
+              </a:schemeClr>
+            </a:gs>
+            <a:gs pos="80000">
+              <a:schemeClr val="phClr">
+                <a:shade val="93000"/>
+                <a:satMod val="130000"/>
+              </a:schemeClr>
+            </a:gs>
+            <a:gs pos="100000">
+              <a:schemeClr val="phClr">
+                <a:shade val="94000"/>
+                <a:satMod val="135000"/>
+              </a:schemeClr>
+            </a:gs>
+          </a:gsLst>
+          <a:lin ang="16200000" scaled="0"/>
+        </a:gradFill>
+      </a:fillStyleLst>
+      <a:lnStyleLst>
+        <a:ln w="9525" cap="flat" cmpd="sng" algn="ctr">
+          <a:solidFill>
+            <a:schemeClr val="phClr">
+              <a:shade val="95000"/>
+              <a:satMod val="105000"/>
+            </a:schemeClr>
+          </a:solidFill>
+          <a:prstDash val="solid"/>
+        </a:ln>
+        <a:ln w="25400" cap="flat" cmpd="sng" algn="ctr">
+          <a:solidFill>
+            <a:schemeClr val="phClr"/>
+          </a:solidFill>
+          <a:prstDash val="solid"/>
+        </a:ln>
+        <a:ln w="38100" cap="flat" cmpd="sng" algn="ctr">
+          <a:solidFill>
+            <a:schemeClr val="phClr"/>
+          </a:solidFill>
+          <a:prstDash val="solid"/>
+        </a:ln>
+      </a:lnStyleLst>
+      <a:effectStyleLst>
+        <a:effectStyle>
+          <a:effectLst>
+            <a:outerShdw blurRad="40000" dist="20000" dir="5400000" rotWithShape="0">
+              <a:srgbClr val="000000">
+                <a:alpha val="38000"/>
+              </a:srgbClr>
+            </a:outerShdw>
+          </a:effectLst>
+        </a:effectStyle>
+        <a:effectStyle>
+          <a:effectLst>
+            <a:outerShdw blurRad="40000" dist="23000" dir="5400000" rotWithShape="0">
+              <a:srgbClr val="000000">
+                <a:alpha val="35000"/>
+              </a:srgbClr>
+            </a:outerShdw>
+          </a:effectLst>
+        </a:effectStyle>
+        <a:effectStyle>
+          <a:effectLst>
+            <a:outerShdw blurRad="40000" dist="23000" dir="5400000" rotWithShape="0">
+              <a:srgbClr val="000000">
+                <a:alpha val="35000"/>
+              </a:srgbClr>
+            </a:outerShdw>
+          </a:effectLst>
+          <a:scene3d>
+            <a:camera prst="orthographicFront">
+              <a:rot lat="0" lon="0" rev="0"/>
+            </a:camera>
+            <a:lightRig rig="threePt" dir="t">
+              <a:rot lat="0" lon="0" rev="1200000"/>
+            </a:lightRig>
+          </a:scene3d>
+          <a:sp3d>
+            <a:bevelT w="63500" h="25400"/>
+          </a:sp3d>
+        </a:effectStyle>
+      </a:effectStyleLst>
+      <a:bgFillStyleLst>
+        <a:solidFill>
+          <a:schemeClr val="phClr"/>
+        </a:solidFill>
+        <a:gradFill rotWithShape="1">
+          <a:gsLst>
+            <a:gs pos="0">
+              <a:schemeClr val="phClr">
+                <a:tint val="40000"/>
+                <a:satMod val="350000"/>
+              </a:schemeClr>
+            </a:gs>
+            <a:gs pos="40000">
+              <a:schemeClr val="phClr">
+                <a:tint val="45000"/>
+                <a:shade val="99000"/>
+                <a:satMod val="350000"/>
+              </a:schemeClr>
+            </a:gs>
+            <a:gs pos="100000">
+              <a:schemeClr val="phClr">
+                <a:shade val="20000"/>
+                <a:satMod val="255000"/>
+              </a:schemeClr>
+            </a:gs>
+          </a:gsLst>
+          <a:path path="circle">
+            <a:fillToRect l="50000" t="-80000" r="50000" b="180000"/>
+          </a:path>
+        </a:gradFill>
+        <a:gradFill rotWithShape="1">
+          <a:gsLst>
+            <a:gs pos="0">
+              <a:schemeClr val="phClr">
+                <a:tint val="80000"/>
+                <a:satMod val="300000"/>
+              </a:schemeClr>
+            </a:gs>
+            <a:gs pos="100000">
+              <a:schemeClr val="phClr">
+                <a:shade val="30000"/>
+                <a:satMod val="200000"/>
+              </a:schemeClr>
+            </a:gs>
+          </a:gsLst>
+          <a:path path="circle">
+            <a:fillToRect l="50000" t="50000" r="50000" b="50000"/>
+          </a:path>
+        </a:gradFill>
+      </a:bgFillStyleLst>
+    </a:fmtScheme>
+  </a:themeElements>
+  <a:objectDefaults/>
+  <a:extraClrSchemeLst/>
+</a:theme>
 </file>